--- a/mortality update 7.15.20.pptx
+++ b/mortality update 7.15.20.pptx
@@ -5,14 +5,25 @@
     <p:sldMasterId id="2147483648" r:id="rId1"/>
   </p:sldMasterIdLst>
   <p:sldIdLst>
-    <p:sldId id="256" r:id="rId2"/>
-    <p:sldId id="257" r:id="rId3"/>
-    <p:sldId id="258" r:id="rId4"/>
-    <p:sldId id="259" r:id="rId5"/>
-    <p:sldId id="260" r:id="rId6"/>
-    <p:sldId id="261" r:id="rId7"/>
-    <p:sldId id="262" r:id="rId8"/>
-    <p:sldId id="263" r:id="rId9"/>
+    <p:sldId id="274" r:id="rId2"/>
+    <p:sldId id="273" r:id="rId3"/>
+    <p:sldId id="264" r:id="rId4"/>
+    <p:sldId id="271" r:id="rId5"/>
+    <p:sldId id="272" r:id="rId6"/>
+    <p:sldId id="265" r:id="rId7"/>
+    <p:sldId id="266" r:id="rId8"/>
+    <p:sldId id="267" r:id="rId9"/>
+    <p:sldId id="268" r:id="rId10"/>
+    <p:sldId id="269" r:id="rId11"/>
+    <p:sldId id="270" r:id="rId12"/>
+    <p:sldId id="256" r:id="rId13"/>
+    <p:sldId id="257" r:id="rId14"/>
+    <p:sldId id="258" r:id="rId15"/>
+    <p:sldId id="259" r:id="rId16"/>
+    <p:sldId id="260" r:id="rId17"/>
+    <p:sldId id="261" r:id="rId18"/>
+    <p:sldId id="262" r:id="rId19"/>
+    <p:sldId id="263" r:id="rId20"/>
   </p:sldIdLst>
   <p:sldSz cx="12192000" cy="6858000"/>
   <p:notesSz cx="6858000" cy="9144000"/>
@@ -111,6 +122,11 @@
       </a:defRPr>
     </a:lvl9pPr>
   </p:defaultTextStyle>
+  <p:extLst>
+    <p:ext uri="{EFAFB233-063F-42B5-8137-9DF3F51BA10A}">
+      <p15:sldGuideLst xmlns:p15="http://schemas.microsoft.com/office/powerpoint/2012/main"/>
+    </p:ext>
+  </p:extLst>
 </p:presentation>
 </file>
 
@@ -261,7 +277,7 @@
           <a:p>
             <a:fld id="{D31D7D52-BAF8-4D5A-B9B1-91E61C5E72A4}" type="datetimeFigureOut">
               <a:rPr lang="en-US" smtClean="0"/>
-              <a:t>7/15/2020</a:t>
+              <a:t>7/17/2020</a:t>
             </a:fld>
             <a:endParaRPr lang="en-US"/>
           </a:p>
@@ -459,7 +475,7 @@
           <a:p>
             <a:fld id="{D31D7D52-BAF8-4D5A-B9B1-91E61C5E72A4}" type="datetimeFigureOut">
               <a:rPr lang="en-US" smtClean="0"/>
-              <a:t>7/15/2020</a:t>
+              <a:t>7/17/2020</a:t>
             </a:fld>
             <a:endParaRPr lang="en-US"/>
           </a:p>
@@ -667,7 +683,7 @@
           <a:p>
             <a:fld id="{D31D7D52-BAF8-4D5A-B9B1-91E61C5E72A4}" type="datetimeFigureOut">
               <a:rPr lang="en-US" smtClean="0"/>
-              <a:t>7/15/2020</a:t>
+              <a:t>7/17/2020</a:t>
             </a:fld>
             <a:endParaRPr lang="en-US"/>
           </a:p>
@@ -865,7 +881,7 @@
           <a:p>
             <a:fld id="{D31D7D52-BAF8-4D5A-B9B1-91E61C5E72A4}" type="datetimeFigureOut">
               <a:rPr lang="en-US" smtClean="0"/>
-              <a:t>7/15/2020</a:t>
+              <a:t>7/17/2020</a:t>
             </a:fld>
             <a:endParaRPr lang="en-US"/>
           </a:p>
@@ -1140,7 +1156,7 @@
           <a:p>
             <a:fld id="{D31D7D52-BAF8-4D5A-B9B1-91E61C5E72A4}" type="datetimeFigureOut">
               <a:rPr lang="en-US" smtClean="0"/>
-              <a:t>7/15/2020</a:t>
+              <a:t>7/17/2020</a:t>
             </a:fld>
             <a:endParaRPr lang="en-US"/>
           </a:p>
@@ -1405,7 +1421,7 @@
           <a:p>
             <a:fld id="{D31D7D52-BAF8-4D5A-B9B1-91E61C5E72A4}" type="datetimeFigureOut">
               <a:rPr lang="en-US" smtClean="0"/>
-              <a:t>7/15/2020</a:t>
+              <a:t>7/17/2020</a:t>
             </a:fld>
             <a:endParaRPr lang="en-US"/>
           </a:p>
@@ -1817,7 +1833,7 @@
           <a:p>
             <a:fld id="{D31D7D52-BAF8-4D5A-B9B1-91E61C5E72A4}" type="datetimeFigureOut">
               <a:rPr lang="en-US" smtClean="0"/>
-              <a:t>7/15/2020</a:t>
+              <a:t>7/17/2020</a:t>
             </a:fld>
             <a:endParaRPr lang="en-US"/>
           </a:p>
@@ -1958,7 +1974,7 @@
           <a:p>
             <a:fld id="{D31D7D52-BAF8-4D5A-B9B1-91E61C5E72A4}" type="datetimeFigureOut">
               <a:rPr lang="en-US" smtClean="0"/>
-              <a:t>7/15/2020</a:t>
+              <a:t>7/17/2020</a:t>
             </a:fld>
             <a:endParaRPr lang="en-US"/>
           </a:p>
@@ -2071,7 +2087,7 @@
           <a:p>
             <a:fld id="{D31D7D52-BAF8-4D5A-B9B1-91E61C5E72A4}" type="datetimeFigureOut">
               <a:rPr lang="en-US" smtClean="0"/>
-              <a:t>7/15/2020</a:t>
+              <a:t>7/17/2020</a:t>
             </a:fld>
             <a:endParaRPr lang="en-US"/>
           </a:p>
@@ -2382,7 +2398,7 @@
           <a:p>
             <a:fld id="{D31D7D52-BAF8-4D5A-B9B1-91E61C5E72A4}" type="datetimeFigureOut">
               <a:rPr lang="en-US" smtClean="0"/>
-              <a:t>7/15/2020</a:t>
+              <a:t>7/17/2020</a:t>
             </a:fld>
             <a:endParaRPr lang="en-US"/>
           </a:p>
@@ -2670,7 +2686,7 @@
           <a:p>
             <a:fld id="{D31D7D52-BAF8-4D5A-B9B1-91E61C5E72A4}" type="datetimeFigureOut">
               <a:rPr lang="en-US" smtClean="0"/>
-              <a:t>7/15/2020</a:t>
+              <a:t>7/17/2020</a:t>
             </a:fld>
             <a:endParaRPr lang="en-US"/>
           </a:p>
@@ -2911,7 +2927,7 @@
           <a:p>
             <a:fld id="{D31D7D52-BAF8-4D5A-B9B1-91E61C5E72A4}" type="datetimeFigureOut">
               <a:rPr lang="en-US" smtClean="0"/>
-              <a:t>7/15/2020</a:t>
+              <a:t>7/17/2020</a:t>
             </a:fld>
             <a:endParaRPr lang="en-US"/>
           </a:p>
@@ -3333,6 +3349,892 @@
           <p:cNvPr id="2" name="Title 1">
             <a:extLst>
               <a:ext uri="{FF2B5EF4-FFF2-40B4-BE49-F238E27FC236}">
+                <a16:creationId xmlns:a16="http://schemas.microsoft.com/office/drawing/2014/main" id="{E57F9F6E-C4F0-484E-A136-E81D27BED98D}"/>
+              </a:ext>
+            </a:extLst>
+          </p:cNvPr>
+          <p:cNvSpPr>
+            <a:spLocks noGrp="1"/>
+          </p:cNvSpPr>
+          <p:nvPr>
+            <p:ph type="title"/>
+          </p:nvPr>
+        </p:nvSpPr>
+        <p:spPr/>
+        <p:txBody>
+          <a:bodyPr/>
+          <a:lstStyle/>
+          <a:p>
+            <a:r>
+              <a:rPr lang="en-US" dirty="0"/>
+              <a:t>Original mortalities without Longleaf outlier</a:t>
+            </a:r>
+          </a:p>
+        </p:txBody>
+      </p:sp>
+      <p:sp>
+        <p:nvSpPr>
+          <p:cNvPr id="8" name="TextBox 7">
+            <a:extLst>
+              <a:ext uri="{FF2B5EF4-FFF2-40B4-BE49-F238E27FC236}">
+                <a16:creationId xmlns:a16="http://schemas.microsoft.com/office/drawing/2014/main" id="{9670AD90-13E0-4D7A-91F4-07FE047596E1}"/>
+              </a:ext>
+            </a:extLst>
+          </p:cNvPr>
+          <p:cNvSpPr txBox="1"/>
+          <p:nvPr/>
+        </p:nvSpPr>
+        <p:spPr>
+          <a:xfrm>
+            <a:off x="132190" y="6164054"/>
+            <a:ext cx="6667016" cy="369332"/>
+          </a:xfrm>
+          <a:prstGeom prst="rect">
+            <a:avLst/>
+          </a:prstGeom>
+          <a:noFill/>
+        </p:spPr>
+        <p:txBody>
+          <a:bodyPr wrap="square">
+            <a:spAutoFit/>
+          </a:bodyPr>
+          <a:lstStyle/>
+          <a:p>
+            <a:r>
+              <a:rPr lang="en-US" dirty="0"/>
+              <a:t>Multiple R-squared:  0.2241,	Adjusted R-squared:  0.2105 </a:t>
+            </a:r>
+          </a:p>
+        </p:txBody>
+      </p:sp>
+      <p:sp>
+        <p:nvSpPr>
+          <p:cNvPr id="12" name="TextBox 11">
+            <a:extLst>
+              <a:ext uri="{FF2B5EF4-FFF2-40B4-BE49-F238E27FC236}">
+                <a16:creationId xmlns:a16="http://schemas.microsoft.com/office/drawing/2014/main" id="{0AA4246F-5BCC-4CC0-9D44-FB288C781FCA}"/>
+              </a:ext>
+            </a:extLst>
+          </p:cNvPr>
+          <p:cNvSpPr txBox="1"/>
+          <p:nvPr/>
+        </p:nvSpPr>
+        <p:spPr>
+          <a:xfrm>
+            <a:off x="6467354" y="6164053"/>
+            <a:ext cx="6591782" cy="369332"/>
+          </a:xfrm>
+          <a:prstGeom prst="rect">
+            <a:avLst/>
+          </a:prstGeom>
+          <a:noFill/>
+        </p:spPr>
+        <p:txBody>
+          <a:bodyPr wrap="square">
+            <a:spAutoFit/>
+          </a:bodyPr>
+          <a:lstStyle/>
+          <a:p>
+            <a:r>
+              <a:rPr lang="en-US" dirty="0"/>
+              <a:t>Multiple R-squared:  0.7074,	Adjusted R-squared:  0.7023</a:t>
+            </a:r>
+          </a:p>
+        </p:txBody>
+      </p:sp>
+      <p:pic>
+        <p:nvPicPr>
+          <p:cNvPr id="13" name="Picture 12">
+            <a:extLst>
+              <a:ext uri="{FF2B5EF4-FFF2-40B4-BE49-F238E27FC236}">
+                <a16:creationId xmlns:a16="http://schemas.microsoft.com/office/drawing/2014/main" id="{E3A97F96-EB73-4846-928D-474504B25677}"/>
+              </a:ext>
+            </a:extLst>
+          </p:cNvPr>
+          <p:cNvPicPr>
+            <a:picLocks noChangeAspect="1"/>
+          </p:cNvPicPr>
+          <p:nvPr/>
+        </p:nvPicPr>
+        <p:blipFill>
+          <a:blip r:embed="rId2"/>
+          <a:stretch>
+            <a:fillRect/>
+          </a:stretch>
+        </p:blipFill>
+        <p:spPr>
+          <a:xfrm>
+            <a:off x="62740" y="1353928"/>
+            <a:ext cx="5857875" cy="4810125"/>
+          </a:xfrm>
+          <a:prstGeom prst="rect">
+            <a:avLst/>
+          </a:prstGeom>
+        </p:spPr>
+      </p:pic>
+      <p:pic>
+        <p:nvPicPr>
+          <p:cNvPr id="14" name="Picture 13">
+            <a:extLst>
+              <a:ext uri="{FF2B5EF4-FFF2-40B4-BE49-F238E27FC236}">
+                <a16:creationId xmlns:a16="http://schemas.microsoft.com/office/drawing/2014/main" id="{082F3E6B-81EB-404C-8933-46374157C057}"/>
+              </a:ext>
+            </a:extLst>
+          </p:cNvPr>
+          <p:cNvPicPr>
+            <a:picLocks noChangeAspect="1"/>
+          </p:cNvPicPr>
+          <p:nvPr/>
+        </p:nvPicPr>
+        <p:blipFill>
+          <a:blip r:embed="rId3"/>
+          <a:stretch>
+            <a:fillRect/>
+          </a:stretch>
+        </p:blipFill>
+        <p:spPr>
+          <a:xfrm>
+            <a:off x="6096000" y="1439652"/>
+            <a:ext cx="5829300" cy="4724400"/>
+          </a:xfrm>
+          <a:prstGeom prst="rect">
+            <a:avLst/>
+          </a:prstGeom>
+        </p:spPr>
+      </p:pic>
+    </p:spTree>
+    <p:extLst>
+      <p:ext uri="{BB962C8B-B14F-4D97-AF65-F5344CB8AC3E}">
+        <p14:creationId xmlns:p14="http://schemas.microsoft.com/office/powerpoint/2010/main" val="2937093699"/>
+      </p:ext>
+    </p:extLst>
+  </p:cSld>
+  <p:clrMapOvr>
+    <a:masterClrMapping/>
+  </p:clrMapOvr>
+</p:sld>
+</file>
+
+<file path=ppt/slides/slide10.xml><?xml version="1.0" encoding="utf-8"?>
+<p:sld xmlns:a="http://schemas.openxmlformats.org/drawingml/2006/main" xmlns:r="http://schemas.openxmlformats.org/officeDocument/2006/relationships" xmlns:p="http://schemas.openxmlformats.org/presentationml/2006/main">
+  <p:cSld>
+    <p:spTree>
+      <p:nvGrpSpPr>
+        <p:cNvPr id="1" name=""/>
+        <p:cNvGrpSpPr/>
+        <p:nvPr/>
+      </p:nvGrpSpPr>
+      <p:grpSpPr>
+        <a:xfrm>
+          <a:off x="0" y="0"/>
+          <a:ext cx="0" cy="0"/>
+          <a:chOff x="0" y="0"/>
+          <a:chExt cx="0" cy="0"/>
+        </a:xfrm>
+      </p:grpSpPr>
+      <p:sp>
+        <p:nvSpPr>
+          <p:cNvPr id="2" name="Title 1">
+            <a:extLst>
+              <a:ext uri="{FF2B5EF4-FFF2-40B4-BE49-F238E27FC236}">
+                <a16:creationId xmlns:a16="http://schemas.microsoft.com/office/drawing/2014/main" id="{8086223D-1A60-468C-A9D8-7AA55D229C01}"/>
+              </a:ext>
+            </a:extLst>
+          </p:cNvPr>
+          <p:cNvSpPr>
+            <a:spLocks noGrp="1"/>
+          </p:cNvSpPr>
+          <p:nvPr>
+            <p:ph type="title"/>
+          </p:nvPr>
+        </p:nvSpPr>
+        <p:spPr/>
+        <p:txBody>
+          <a:bodyPr/>
+          <a:lstStyle/>
+          <a:p>
+            <a:r>
+              <a:rPr lang="en-US" dirty="0"/>
+              <a:t>Observed vs modeled diameter distributions</a:t>
+            </a:r>
+          </a:p>
+        </p:txBody>
+      </p:sp>
+      <p:sp>
+        <p:nvSpPr>
+          <p:cNvPr id="7" name="TextBox 6">
+            <a:extLst>
+              <a:ext uri="{FF2B5EF4-FFF2-40B4-BE49-F238E27FC236}">
+                <a16:creationId xmlns:a16="http://schemas.microsoft.com/office/drawing/2014/main" id="{88E52DE7-C8A5-4381-8402-66B556F73309}"/>
+              </a:ext>
+            </a:extLst>
+          </p:cNvPr>
+          <p:cNvSpPr txBox="1"/>
+          <p:nvPr/>
+        </p:nvSpPr>
+        <p:spPr>
+          <a:xfrm>
+            <a:off x="662473" y="2267339"/>
+            <a:ext cx="1474237" cy="369332"/>
+          </a:xfrm>
+          <a:prstGeom prst="rect">
+            <a:avLst/>
+          </a:prstGeom>
+          <a:noFill/>
+        </p:spPr>
+        <p:txBody>
+          <a:bodyPr wrap="square" rtlCol="0">
+            <a:spAutoFit/>
+          </a:bodyPr>
+          <a:lstStyle/>
+          <a:p>
+            <a:r>
+              <a:rPr lang="en-US" dirty="0"/>
+              <a:t>Observed </a:t>
+            </a:r>
+          </a:p>
+        </p:txBody>
+      </p:sp>
+      <p:sp>
+        <p:nvSpPr>
+          <p:cNvPr id="8" name="Arrow: Right 7">
+            <a:extLst>
+              <a:ext uri="{FF2B5EF4-FFF2-40B4-BE49-F238E27FC236}">
+                <a16:creationId xmlns:a16="http://schemas.microsoft.com/office/drawing/2014/main" id="{304EBFCC-E8B5-4856-B5FA-CDA01E11067C}"/>
+              </a:ext>
+            </a:extLst>
+          </p:cNvPr>
+          <p:cNvSpPr/>
+          <p:nvPr/>
+        </p:nvSpPr>
+        <p:spPr>
+          <a:xfrm>
+            <a:off x="1699906" y="2267339"/>
+            <a:ext cx="677666" cy="369332"/>
+          </a:xfrm>
+          <a:prstGeom prst="rightArrow">
+            <a:avLst/>
+          </a:prstGeom>
+        </p:spPr>
+        <p:style>
+          <a:lnRef idx="2">
+            <a:schemeClr val="accent1">
+              <a:shade val="50000"/>
+            </a:schemeClr>
+          </a:lnRef>
+          <a:fillRef idx="1">
+            <a:schemeClr val="accent1"/>
+          </a:fillRef>
+          <a:effectRef idx="0">
+            <a:schemeClr val="accent1"/>
+          </a:effectRef>
+          <a:fontRef idx="minor">
+            <a:schemeClr val="lt1"/>
+          </a:fontRef>
+        </p:style>
+        <p:txBody>
+          <a:bodyPr rtlCol="0" anchor="ctr"/>
+          <a:lstStyle/>
+          <a:p>
+            <a:pPr algn="ctr"/>
+            <a:endParaRPr lang="en-US"/>
+          </a:p>
+        </p:txBody>
+      </p:sp>
+      <p:sp>
+        <p:nvSpPr>
+          <p:cNvPr id="9" name="TextBox 8">
+            <a:extLst>
+              <a:ext uri="{FF2B5EF4-FFF2-40B4-BE49-F238E27FC236}">
+                <a16:creationId xmlns:a16="http://schemas.microsoft.com/office/drawing/2014/main" id="{9E85885C-986D-42CD-98AC-47C6500E5C55}"/>
+              </a:ext>
+            </a:extLst>
+          </p:cNvPr>
+          <p:cNvSpPr txBox="1"/>
+          <p:nvPr/>
+        </p:nvSpPr>
+        <p:spPr>
+          <a:xfrm>
+            <a:off x="724318" y="5054472"/>
+            <a:ext cx="1474237" cy="369332"/>
+          </a:xfrm>
+          <a:prstGeom prst="rect">
+            <a:avLst/>
+          </a:prstGeom>
+          <a:noFill/>
+        </p:spPr>
+        <p:txBody>
+          <a:bodyPr wrap="square" rtlCol="0">
+            <a:spAutoFit/>
+          </a:bodyPr>
+          <a:lstStyle/>
+          <a:p>
+            <a:r>
+              <a:rPr lang="en-US" dirty="0"/>
+              <a:t>Modeled </a:t>
+            </a:r>
+          </a:p>
+        </p:txBody>
+      </p:sp>
+      <p:sp>
+        <p:nvSpPr>
+          <p:cNvPr id="10" name="Arrow: Right 9">
+            <a:extLst>
+              <a:ext uri="{FF2B5EF4-FFF2-40B4-BE49-F238E27FC236}">
+                <a16:creationId xmlns:a16="http://schemas.microsoft.com/office/drawing/2014/main" id="{EA63A3D4-24E7-4718-9BE5-00C8659DF38E}"/>
+              </a:ext>
+            </a:extLst>
+          </p:cNvPr>
+          <p:cNvSpPr/>
+          <p:nvPr/>
+        </p:nvSpPr>
+        <p:spPr>
+          <a:xfrm>
+            <a:off x="1730828" y="5054472"/>
+            <a:ext cx="677666" cy="369332"/>
+          </a:xfrm>
+          <a:prstGeom prst="rightArrow">
+            <a:avLst/>
+          </a:prstGeom>
+        </p:spPr>
+        <p:style>
+          <a:lnRef idx="2">
+            <a:schemeClr val="accent1">
+              <a:shade val="50000"/>
+            </a:schemeClr>
+          </a:lnRef>
+          <a:fillRef idx="1">
+            <a:schemeClr val="accent1"/>
+          </a:fillRef>
+          <a:effectRef idx="0">
+            <a:schemeClr val="accent1"/>
+          </a:effectRef>
+          <a:fontRef idx="minor">
+            <a:schemeClr val="lt1"/>
+          </a:fontRef>
+        </p:style>
+        <p:txBody>
+          <a:bodyPr rtlCol="0" anchor="ctr"/>
+          <a:lstStyle/>
+          <a:p>
+            <a:pPr algn="ctr"/>
+            <a:endParaRPr lang="en-US"/>
+          </a:p>
+        </p:txBody>
+      </p:sp>
+      <p:pic>
+        <p:nvPicPr>
+          <p:cNvPr id="3" name="Picture 2">
+            <a:extLst>
+              <a:ext uri="{FF2B5EF4-FFF2-40B4-BE49-F238E27FC236}">
+                <a16:creationId xmlns:a16="http://schemas.microsoft.com/office/drawing/2014/main" id="{2FF7CB67-9AAC-4150-83DD-BB2EAB44C584}"/>
+              </a:ext>
+            </a:extLst>
+          </p:cNvPr>
+          <p:cNvPicPr>
+            <a:picLocks noChangeAspect="1"/>
+          </p:cNvPicPr>
+          <p:nvPr/>
+        </p:nvPicPr>
+        <p:blipFill>
+          <a:blip r:embed="rId2"/>
+          <a:stretch>
+            <a:fillRect/>
+          </a:stretch>
+        </p:blipFill>
+        <p:spPr>
+          <a:xfrm>
+            <a:off x="3099464" y="1561938"/>
+            <a:ext cx="5601185" cy="1867062"/>
+          </a:xfrm>
+          <a:prstGeom prst="rect">
+            <a:avLst/>
+          </a:prstGeom>
+        </p:spPr>
+      </p:pic>
+      <p:pic>
+        <p:nvPicPr>
+          <p:cNvPr id="4" name="Picture 3">
+            <a:extLst>
+              <a:ext uri="{FF2B5EF4-FFF2-40B4-BE49-F238E27FC236}">
+                <a16:creationId xmlns:a16="http://schemas.microsoft.com/office/drawing/2014/main" id="{1CB1A060-7799-4C26-8788-FC5CAA351808}"/>
+              </a:ext>
+            </a:extLst>
+          </p:cNvPr>
+          <p:cNvPicPr>
+            <a:picLocks noChangeAspect="1"/>
+          </p:cNvPicPr>
+          <p:nvPr/>
+        </p:nvPicPr>
+        <p:blipFill>
+          <a:blip r:embed="rId3"/>
+          <a:stretch>
+            <a:fillRect/>
+          </a:stretch>
+        </p:blipFill>
+        <p:spPr>
+          <a:xfrm>
+            <a:off x="3099463" y="4016359"/>
+            <a:ext cx="5601185" cy="1867062"/>
+          </a:xfrm>
+          <a:prstGeom prst="rect">
+            <a:avLst/>
+          </a:prstGeom>
+        </p:spPr>
+      </p:pic>
+      <p:sp>
+        <p:nvSpPr>
+          <p:cNvPr id="11" name="Multiplication Sign 10">
+            <a:extLst>
+              <a:ext uri="{FF2B5EF4-FFF2-40B4-BE49-F238E27FC236}">
+                <a16:creationId xmlns:a16="http://schemas.microsoft.com/office/drawing/2014/main" id="{41277F1C-BFA0-4D3B-AD3F-8483533E0605}"/>
+              </a:ext>
+            </a:extLst>
+          </p:cNvPr>
+          <p:cNvSpPr/>
+          <p:nvPr/>
+        </p:nvSpPr>
+        <p:spPr>
+          <a:xfrm>
+            <a:off x="6979533" y="3447780"/>
+            <a:ext cx="289367" cy="274899"/>
+          </a:xfrm>
+          <a:prstGeom prst="mathMultiply">
+            <a:avLst/>
+          </a:prstGeom>
+        </p:spPr>
+        <p:style>
+          <a:lnRef idx="2">
+            <a:schemeClr val="accent1">
+              <a:shade val="50000"/>
+            </a:schemeClr>
+          </a:lnRef>
+          <a:fillRef idx="1">
+            <a:schemeClr val="accent1"/>
+          </a:fillRef>
+          <a:effectRef idx="0">
+            <a:schemeClr val="accent1"/>
+          </a:effectRef>
+          <a:fontRef idx="minor">
+            <a:schemeClr val="lt1"/>
+          </a:fontRef>
+        </p:style>
+        <p:txBody>
+          <a:bodyPr rtlCol="0" anchor="ctr"/>
+          <a:lstStyle/>
+          <a:p>
+            <a:pPr algn="ctr"/>
+            <a:endParaRPr lang="en-US"/>
+          </a:p>
+        </p:txBody>
+      </p:sp>
+    </p:spTree>
+    <p:extLst>
+      <p:ext uri="{BB962C8B-B14F-4D97-AF65-F5344CB8AC3E}">
+        <p14:creationId xmlns:p14="http://schemas.microsoft.com/office/powerpoint/2010/main" val="595818982"/>
+      </p:ext>
+    </p:extLst>
+  </p:cSld>
+  <p:clrMapOvr>
+    <a:masterClrMapping/>
+  </p:clrMapOvr>
+</p:sld>
+</file>
+
+<file path=ppt/slides/slide11.xml><?xml version="1.0" encoding="utf-8"?>
+<p:sld xmlns:a="http://schemas.openxmlformats.org/drawingml/2006/main" xmlns:r="http://schemas.openxmlformats.org/officeDocument/2006/relationships" xmlns:p="http://schemas.openxmlformats.org/presentationml/2006/main">
+  <p:cSld>
+    <p:spTree>
+      <p:nvGrpSpPr>
+        <p:cNvPr id="1" name=""/>
+        <p:cNvGrpSpPr/>
+        <p:nvPr/>
+      </p:nvGrpSpPr>
+      <p:grpSpPr>
+        <a:xfrm>
+          <a:off x="0" y="0"/>
+          <a:ext cx="0" cy="0"/>
+          <a:chOff x="0" y="0"/>
+          <a:chExt cx="0" cy="0"/>
+        </a:xfrm>
+      </p:grpSpPr>
+      <p:sp>
+        <p:nvSpPr>
+          <p:cNvPr id="2" name="Title 1">
+            <a:extLst>
+              <a:ext uri="{FF2B5EF4-FFF2-40B4-BE49-F238E27FC236}">
+                <a16:creationId xmlns:a16="http://schemas.microsoft.com/office/drawing/2014/main" id="{8086223D-1A60-468C-A9D8-7AA55D229C01}"/>
+              </a:ext>
+            </a:extLst>
+          </p:cNvPr>
+          <p:cNvSpPr>
+            <a:spLocks noGrp="1"/>
+          </p:cNvSpPr>
+          <p:nvPr>
+            <p:ph type="title"/>
+          </p:nvPr>
+        </p:nvSpPr>
+        <p:spPr/>
+        <p:txBody>
+          <a:bodyPr/>
+          <a:lstStyle/>
+          <a:p>
+            <a:r>
+              <a:rPr lang="en-US" dirty="0"/>
+              <a:t>Observed vs modeled diameter distributions</a:t>
+            </a:r>
+          </a:p>
+        </p:txBody>
+      </p:sp>
+      <p:sp>
+        <p:nvSpPr>
+          <p:cNvPr id="7" name="TextBox 6">
+            <a:extLst>
+              <a:ext uri="{FF2B5EF4-FFF2-40B4-BE49-F238E27FC236}">
+                <a16:creationId xmlns:a16="http://schemas.microsoft.com/office/drawing/2014/main" id="{88E52DE7-C8A5-4381-8402-66B556F73309}"/>
+              </a:ext>
+            </a:extLst>
+          </p:cNvPr>
+          <p:cNvSpPr txBox="1"/>
+          <p:nvPr/>
+        </p:nvSpPr>
+        <p:spPr>
+          <a:xfrm>
+            <a:off x="662473" y="2267339"/>
+            <a:ext cx="1474237" cy="369332"/>
+          </a:xfrm>
+          <a:prstGeom prst="rect">
+            <a:avLst/>
+          </a:prstGeom>
+          <a:noFill/>
+        </p:spPr>
+        <p:txBody>
+          <a:bodyPr wrap="square" rtlCol="0">
+            <a:spAutoFit/>
+          </a:bodyPr>
+          <a:lstStyle/>
+          <a:p>
+            <a:r>
+              <a:rPr lang="en-US" dirty="0"/>
+              <a:t>Observed </a:t>
+            </a:r>
+          </a:p>
+        </p:txBody>
+      </p:sp>
+      <p:sp>
+        <p:nvSpPr>
+          <p:cNvPr id="8" name="Arrow: Right 7">
+            <a:extLst>
+              <a:ext uri="{FF2B5EF4-FFF2-40B4-BE49-F238E27FC236}">
+                <a16:creationId xmlns:a16="http://schemas.microsoft.com/office/drawing/2014/main" id="{304EBFCC-E8B5-4856-B5FA-CDA01E11067C}"/>
+              </a:ext>
+            </a:extLst>
+          </p:cNvPr>
+          <p:cNvSpPr/>
+          <p:nvPr/>
+        </p:nvSpPr>
+        <p:spPr>
+          <a:xfrm>
+            <a:off x="1699906" y="2267339"/>
+            <a:ext cx="677666" cy="369332"/>
+          </a:xfrm>
+          <a:prstGeom prst="rightArrow">
+            <a:avLst/>
+          </a:prstGeom>
+        </p:spPr>
+        <p:style>
+          <a:lnRef idx="2">
+            <a:schemeClr val="accent1">
+              <a:shade val="50000"/>
+            </a:schemeClr>
+          </a:lnRef>
+          <a:fillRef idx="1">
+            <a:schemeClr val="accent1"/>
+          </a:fillRef>
+          <a:effectRef idx="0">
+            <a:schemeClr val="accent1"/>
+          </a:effectRef>
+          <a:fontRef idx="minor">
+            <a:schemeClr val="lt1"/>
+          </a:fontRef>
+        </p:style>
+        <p:txBody>
+          <a:bodyPr rtlCol="0" anchor="ctr"/>
+          <a:lstStyle/>
+          <a:p>
+            <a:pPr algn="ctr"/>
+            <a:endParaRPr lang="en-US"/>
+          </a:p>
+        </p:txBody>
+      </p:sp>
+      <p:sp>
+        <p:nvSpPr>
+          <p:cNvPr id="9" name="TextBox 8">
+            <a:extLst>
+              <a:ext uri="{FF2B5EF4-FFF2-40B4-BE49-F238E27FC236}">
+                <a16:creationId xmlns:a16="http://schemas.microsoft.com/office/drawing/2014/main" id="{9E85885C-986D-42CD-98AC-47C6500E5C55}"/>
+              </a:ext>
+            </a:extLst>
+          </p:cNvPr>
+          <p:cNvSpPr txBox="1"/>
+          <p:nvPr/>
+        </p:nvSpPr>
+        <p:spPr>
+          <a:xfrm>
+            <a:off x="724318" y="5054472"/>
+            <a:ext cx="1474237" cy="369332"/>
+          </a:xfrm>
+          <a:prstGeom prst="rect">
+            <a:avLst/>
+          </a:prstGeom>
+          <a:noFill/>
+        </p:spPr>
+        <p:txBody>
+          <a:bodyPr wrap="square" rtlCol="0">
+            <a:spAutoFit/>
+          </a:bodyPr>
+          <a:lstStyle/>
+          <a:p>
+            <a:r>
+              <a:rPr lang="en-US" dirty="0"/>
+              <a:t>Modeled </a:t>
+            </a:r>
+          </a:p>
+        </p:txBody>
+      </p:sp>
+      <p:sp>
+        <p:nvSpPr>
+          <p:cNvPr id="10" name="Arrow: Right 9">
+            <a:extLst>
+              <a:ext uri="{FF2B5EF4-FFF2-40B4-BE49-F238E27FC236}">
+                <a16:creationId xmlns:a16="http://schemas.microsoft.com/office/drawing/2014/main" id="{EA63A3D4-24E7-4718-9BE5-00C8659DF38E}"/>
+              </a:ext>
+            </a:extLst>
+          </p:cNvPr>
+          <p:cNvSpPr/>
+          <p:nvPr/>
+        </p:nvSpPr>
+        <p:spPr>
+          <a:xfrm>
+            <a:off x="1730828" y="5054472"/>
+            <a:ext cx="677666" cy="369332"/>
+          </a:xfrm>
+          <a:prstGeom prst="rightArrow">
+            <a:avLst/>
+          </a:prstGeom>
+        </p:spPr>
+        <p:style>
+          <a:lnRef idx="2">
+            <a:schemeClr val="accent1">
+              <a:shade val="50000"/>
+            </a:schemeClr>
+          </a:lnRef>
+          <a:fillRef idx="1">
+            <a:schemeClr val="accent1"/>
+          </a:fillRef>
+          <a:effectRef idx="0">
+            <a:schemeClr val="accent1"/>
+          </a:effectRef>
+          <a:fontRef idx="minor">
+            <a:schemeClr val="lt1"/>
+          </a:fontRef>
+        </p:style>
+        <p:txBody>
+          <a:bodyPr rtlCol="0" anchor="ctr"/>
+          <a:lstStyle/>
+          <a:p>
+            <a:pPr algn="ctr"/>
+            <a:endParaRPr lang="en-US"/>
+          </a:p>
+        </p:txBody>
+      </p:sp>
+      <p:pic>
+        <p:nvPicPr>
+          <p:cNvPr id="3" name="Picture 2">
+            <a:extLst>
+              <a:ext uri="{FF2B5EF4-FFF2-40B4-BE49-F238E27FC236}">
+                <a16:creationId xmlns:a16="http://schemas.microsoft.com/office/drawing/2014/main" id="{A64552EC-D920-42C1-883D-8F8D7E8A6986}"/>
+              </a:ext>
+            </a:extLst>
+          </p:cNvPr>
+          <p:cNvPicPr>
+            <a:picLocks noChangeAspect="1"/>
+          </p:cNvPicPr>
+          <p:nvPr/>
+        </p:nvPicPr>
+        <p:blipFill>
+          <a:blip r:embed="rId2"/>
+          <a:stretch>
+            <a:fillRect/>
+          </a:stretch>
+        </p:blipFill>
+        <p:spPr>
+          <a:xfrm>
+            <a:off x="3174143" y="1561938"/>
+            <a:ext cx="5601185" cy="1867062"/>
+          </a:xfrm>
+          <a:prstGeom prst="rect">
+            <a:avLst/>
+          </a:prstGeom>
+        </p:spPr>
+      </p:pic>
+      <p:pic>
+        <p:nvPicPr>
+          <p:cNvPr id="4" name="Picture 3">
+            <a:extLst>
+              <a:ext uri="{FF2B5EF4-FFF2-40B4-BE49-F238E27FC236}">
+                <a16:creationId xmlns:a16="http://schemas.microsoft.com/office/drawing/2014/main" id="{E0DDAFA8-6210-496B-ADDC-62EE296BEF26}"/>
+              </a:ext>
+            </a:extLst>
+          </p:cNvPr>
+          <p:cNvPicPr>
+            <a:picLocks noChangeAspect="1"/>
+          </p:cNvPicPr>
+          <p:nvPr/>
+        </p:nvPicPr>
+        <p:blipFill>
+          <a:blip r:embed="rId3"/>
+          <a:stretch>
+            <a:fillRect/>
+          </a:stretch>
+        </p:blipFill>
+        <p:spPr>
+          <a:xfrm>
+            <a:off x="3174142" y="3885730"/>
+            <a:ext cx="5601185" cy="1867062"/>
+          </a:xfrm>
+          <a:prstGeom prst="rect">
+            <a:avLst/>
+          </a:prstGeom>
+        </p:spPr>
+      </p:pic>
+      <p:sp>
+        <p:nvSpPr>
+          <p:cNvPr id="5" name="Multiplication Sign 4">
+            <a:extLst>
+              <a:ext uri="{FF2B5EF4-FFF2-40B4-BE49-F238E27FC236}">
+                <a16:creationId xmlns:a16="http://schemas.microsoft.com/office/drawing/2014/main" id="{C1B3BCB5-65AA-4782-8F72-6B8E05AC5E3B}"/>
+              </a:ext>
+            </a:extLst>
+          </p:cNvPr>
+          <p:cNvSpPr/>
+          <p:nvPr/>
+        </p:nvSpPr>
+        <p:spPr>
+          <a:xfrm>
+            <a:off x="5984111" y="3429000"/>
+            <a:ext cx="289367" cy="274899"/>
+          </a:xfrm>
+          <a:prstGeom prst="mathMultiply">
+            <a:avLst/>
+          </a:prstGeom>
+        </p:spPr>
+        <p:style>
+          <a:lnRef idx="2">
+            <a:schemeClr val="accent1">
+              <a:shade val="50000"/>
+            </a:schemeClr>
+          </a:lnRef>
+          <a:fillRef idx="1">
+            <a:schemeClr val="accent1"/>
+          </a:fillRef>
+          <a:effectRef idx="0">
+            <a:schemeClr val="accent1"/>
+          </a:effectRef>
+          <a:fontRef idx="minor">
+            <a:schemeClr val="lt1"/>
+          </a:fontRef>
+        </p:style>
+        <p:txBody>
+          <a:bodyPr rtlCol="0" anchor="ctr"/>
+          <a:lstStyle/>
+          <a:p>
+            <a:pPr algn="ctr"/>
+            <a:endParaRPr lang="en-US"/>
+          </a:p>
+        </p:txBody>
+      </p:sp>
+      <p:sp>
+        <p:nvSpPr>
+          <p:cNvPr id="11" name="Multiplication Sign 10">
+            <a:extLst>
+              <a:ext uri="{FF2B5EF4-FFF2-40B4-BE49-F238E27FC236}">
+                <a16:creationId xmlns:a16="http://schemas.microsoft.com/office/drawing/2014/main" id="{91BD522E-54A7-4038-8CED-16BAF81FD9A4}"/>
+              </a:ext>
+            </a:extLst>
+          </p:cNvPr>
+          <p:cNvSpPr/>
+          <p:nvPr/>
+        </p:nvSpPr>
+        <p:spPr>
+          <a:xfrm>
+            <a:off x="4793847" y="3473381"/>
+            <a:ext cx="289367" cy="274899"/>
+          </a:xfrm>
+          <a:prstGeom prst="mathMultiply">
+            <a:avLst/>
+          </a:prstGeom>
+        </p:spPr>
+        <p:style>
+          <a:lnRef idx="2">
+            <a:schemeClr val="accent1">
+              <a:shade val="50000"/>
+            </a:schemeClr>
+          </a:lnRef>
+          <a:fillRef idx="1">
+            <a:schemeClr val="accent1"/>
+          </a:fillRef>
+          <a:effectRef idx="0">
+            <a:schemeClr val="accent1"/>
+          </a:effectRef>
+          <a:fontRef idx="minor">
+            <a:schemeClr val="lt1"/>
+          </a:fontRef>
+        </p:style>
+        <p:txBody>
+          <a:bodyPr rtlCol="0" anchor="ctr"/>
+          <a:lstStyle/>
+          <a:p>
+            <a:pPr algn="ctr"/>
+            <a:endParaRPr lang="en-US"/>
+          </a:p>
+        </p:txBody>
+      </p:sp>
+    </p:spTree>
+    <p:extLst>
+      <p:ext uri="{BB962C8B-B14F-4D97-AF65-F5344CB8AC3E}">
+        <p14:creationId xmlns:p14="http://schemas.microsoft.com/office/powerpoint/2010/main" val="3381818944"/>
+      </p:ext>
+    </p:extLst>
+  </p:cSld>
+  <p:clrMapOvr>
+    <a:masterClrMapping/>
+  </p:clrMapOvr>
+</p:sld>
+</file>
+
+<file path=ppt/slides/slide12.xml><?xml version="1.0" encoding="utf-8"?>
+<p:sld xmlns:a="http://schemas.openxmlformats.org/drawingml/2006/main" xmlns:r="http://schemas.openxmlformats.org/officeDocument/2006/relationships" xmlns:p="http://schemas.openxmlformats.org/presentationml/2006/main">
+  <p:cSld>
+    <p:spTree>
+      <p:nvGrpSpPr>
+        <p:cNvPr id="1" name=""/>
+        <p:cNvGrpSpPr/>
+        <p:nvPr/>
+      </p:nvGrpSpPr>
+      <p:grpSpPr>
+        <a:xfrm>
+          <a:off x="0" y="0"/>
+          <a:ext cx="0" cy="0"/>
+          <a:chOff x="0" y="0"/>
+          <a:chExt cx="0" cy="0"/>
+        </a:xfrm>
+      </p:grpSpPr>
+      <p:sp>
+        <p:nvSpPr>
+          <p:cNvPr id="2" name="Title 1">
+            <a:extLst>
+              <a:ext uri="{FF2B5EF4-FFF2-40B4-BE49-F238E27FC236}">
                 <a16:creationId xmlns:a16="http://schemas.microsoft.com/office/drawing/2014/main" id="{66B9BD9B-DEA7-46FA-8A78-435C2DC665A8}"/>
               </a:ext>
             </a:extLst>
@@ -3394,6 +4296,991 @@
     <p:extLst>
       <p:ext uri="{BB962C8B-B14F-4D97-AF65-F5344CB8AC3E}">
         <p14:creationId xmlns:p14="http://schemas.microsoft.com/office/powerpoint/2010/main" val="1969716238"/>
+      </p:ext>
+    </p:extLst>
+  </p:cSld>
+  <p:clrMapOvr>
+    <a:masterClrMapping/>
+  </p:clrMapOvr>
+</p:sld>
+</file>
+
+<file path=ppt/slides/slide13.xml><?xml version="1.0" encoding="utf-8"?>
+<p:sld xmlns:a="http://schemas.openxmlformats.org/drawingml/2006/main" xmlns:r="http://schemas.openxmlformats.org/officeDocument/2006/relationships" xmlns:p="http://schemas.openxmlformats.org/presentationml/2006/main">
+  <p:cSld>
+    <p:spTree>
+      <p:nvGrpSpPr>
+        <p:cNvPr id="1" name=""/>
+        <p:cNvGrpSpPr/>
+        <p:nvPr/>
+      </p:nvGrpSpPr>
+      <p:grpSpPr>
+        <a:xfrm>
+          <a:off x="0" y="0"/>
+          <a:ext cx="0" cy="0"/>
+          <a:chOff x="0" y="0"/>
+          <a:chExt cx="0" cy="0"/>
+        </a:xfrm>
+      </p:grpSpPr>
+      <p:sp>
+        <p:nvSpPr>
+          <p:cNvPr id="2" name="Title 1">
+            <a:extLst>
+              <a:ext uri="{FF2B5EF4-FFF2-40B4-BE49-F238E27FC236}">
+                <a16:creationId xmlns:a16="http://schemas.microsoft.com/office/drawing/2014/main" id="{8086223D-1A60-468C-A9D8-7AA55D229C01}"/>
+              </a:ext>
+            </a:extLst>
+          </p:cNvPr>
+          <p:cNvSpPr>
+            <a:spLocks noGrp="1"/>
+          </p:cNvSpPr>
+          <p:nvPr>
+            <p:ph type="title"/>
+          </p:nvPr>
+        </p:nvSpPr>
+        <p:spPr/>
+        <p:txBody>
+          <a:bodyPr/>
+          <a:lstStyle/>
+          <a:p>
+            <a:r>
+              <a:rPr lang="en-US" dirty="0"/>
+              <a:t>Observed vs modeled diameter distributions</a:t>
+            </a:r>
+          </a:p>
+        </p:txBody>
+      </p:sp>
+      <p:pic>
+        <p:nvPicPr>
+          <p:cNvPr id="5" name="Content Placeholder 4">
+            <a:extLst>
+              <a:ext uri="{FF2B5EF4-FFF2-40B4-BE49-F238E27FC236}">
+                <a16:creationId xmlns:a16="http://schemas.microsoft.com/office/drawing/2014/main" id="{064A47D2-03C5-41F0-AF93-C5FCD63395BB}"/>
+              </a:ext>
+            </a:extLst>
+          </p:cNvPr>
+          <p:cNvPicPr>
+            <a:picLocks noGrp="1" noChangeAspect="1"/>
+          </p:cNvPicPr>
+          <p:nvPr>
+            <p:ph idx="1"/>
+          </p:nvPr>
+        </p:nvPicPr>
+        <p:blipFill>
+          <a:blip r:embed="rId2"/>
+          <a:stretch>
+            <a:fillRect/>
+          </a:stretch>
+        </p:blipFill>
+        <p:spPr>
+          <a:xfrm>
+            <a:off x="2618433" y="1690688"/>
+            <a:ext cx="6469941" cy="2141406"/>
+          </a:xfrm>
+          <a:prstGeom prst="rect">
+            <a:avLst/>
+          </a:prstGeom>
+        </p:spPr>
+      </p:pic>
+      <p:pic>
+        <p:nvPicPr>
+          <p:cNvPr id="6" name="Picture 5">
+            <a:extLst>
+              <a:ext uri="{FF2B5EF4-FFF2-40B4-BE49-F238E27FC236}">
+                <a16:creationId xmlns:a16="http://schemas.microsoft.com/office/drawing/2014/main" id="{CDE75080-6B7D-468D-9582-CC71FFB1E00E}"/>
+              </a:ext>
+            </a:extLst>
+          </p:cNvPr>
+          <p:cNvPicPr>
+            <a:picLocks noChangeAspect="1"/>
+          </p:cNvPicPr>
+          <p:nvPr/>
+        </p:nvPicPr>
+        <p:blipFill>
+          <a:blip r:embed="rId3"/>
+          <a:stretch>
+            <a:fillRect/>
+          </a:stretch>
+        </p:blipFill>
+        <p:spPr>
+          <a:xfrm>
+            <a:off x="2618433" y="4168435"/>
+            <a:ext cx="6469941" cy="2141406"/>
+          </a:xfrm>
+          <a:prstGeom prst="rect">
+            <a:avLst/>
+          </a:prstGeom>
+        </p:spPr>
+      </p:pic>
+      <p:sp>
+        <p:nvSpPr>
+          <p:cNvPr id="7" name="TextBox 6">
+            <a:extLst>
+              <a:ext uri="{FF2B5EF4-FFF2-40B4-BE49-F238E27FC236}">
+                <a16:creationId xmlns:a16="http://schemas.microsoft.com/office/drawing/2014/main" id="{88E52DE7-C8A5-4381-8402-66B556F73309}"/>
+              </a:ext>
+            </a:extLst>
+          </p:cNvPr>
+          <p:cNvSpPr txBox="1"/>
+          <p:nvPr/>
+        </p:nvSpPr>
+        <p:spPr>
+          <a:xfrm>
+            <a:off x="662473" y="2267339"/>
+            <a:ext cx="1474237" cy="369332"/>
+          </a:xfrm>
+          <a:prstGeom prst="rect">
+            <a:avLst/>
+          </a:prstGeom>
+          <a:noFill/>
+        </p:spPr>
+        <p:txBody>
+          <a:bodyPr wrap="square" rtlCol="0">
+            <a:spAutoFit/>
+          </a:bodyPr>
+          <a:lstStyle/>
+          <a:p>
+            <a:r>
+              <a:rPr lang="en-US" dirty="0"/>
+              <a:t>Observed </a:t>
+            </a:r>
+          </a:p>
+        </p:txBody>
+      </p:sp>
+      <p:sp>
+        <p:nvSpPr>
+          <p:cNvPr id="8" name="Arrow: Right 7">
+            <a:extLst>
+              <a:ext uri="{FF2B5EF4-FFF2-40B4-BE49-F238E27FC236}">
+                <a16:creationId xmlns:a16="http://schemas.microsoft.com/office/drawing/2014/main" id="{304EBFCC-E8B5-4856-B5FA-CDA01E11067C}"/>
+              </a:ext>
+            </a:extLst>
+          </p:cNvPr>
+          <p:cNvSpPr/>
+          <p:nvPr/>
+        </p:nvSpPr>
+        <p:spPr>
+          <a:xfrm>
+            <a:off x="1699906" y="2267339"/>
+            <a:ext cx="677666" cy="369332"/>
+          </a:xfrm>
+          <a:prstGeom prst="rightArrow">
+            <a:avLst/>
+          </a:prstGeom>
+        </p:spPr>
+        <p:style>
+          <a:lnRef idx="2">
+            <a:schemeClr val="accent1">
+              <a:shade val="50000"/>
+            </a:schemeClr>
+          </a:lnRef>
+          <a:fillRef idx="1">
+            <a:schemeClr val="accent1"/>
+          </a:fillRef>
+          <a:effectRef idx="0">
+            <a:schemeClr val="accent1"/>
+          </a:effectRef>
+          <a:fontRef idx="minor">
+            <a:schemeClr val="lt1"/>
+          </a:fontRef>
+        </p:style>
+        <p:txBody>
+          <a:bodyPr rtlCol="0" anchor="ctr"/>
+          <a:lstStyle/>
+          <a:p>
+            <a:pPr algn="ctr"/>
+            <a:endParaRPr lang="en-US"/>
+          </a:p>
+        </p:txBody>
+      </p:sp>
+      <p:sp>
+        <p:nvSpPr>
+          <p:cNvPr id="9" name="TextBox 8">
+            <a:extLst>
+              <a:ext uri="{FF2B5EF4-FFF2-40B4-BE49-F238E27FC236}">
+                <a16:creationId xmlns:a16="http://schemas.microsoft.com/office/drawing/2014/main" id="{9E85885C-986D-42CD-98AC-47C6500E5C55}"/>
+              </a:ext>
+            </a:extLst>
+          </p:cNvPr>
+          <p:cNvSpPr txBox="1"/>
+          <p:nvPr/>
+        </p:nvSpPr>
+        <p:spPr>
+          <a:xfrm>
+            <a:off x="724318" y="5054472"/>
+            <a:ext cx="1474237" cy="369332"/>
+          </a:xfrm>
+          <a:prstGeom prst="rect">
+            <a:avLst/>
+          </a:prstGeom>
+          <a:noFill/>
+        </p:spPr>
+        <p:txBody>
+          <a:bodyPr wrap="square" rtlCol="0">
+            <a:spAutoFit/>
+          </a:bodyPr>
+          <a:lstStyle/>
+          <a:p>
+            <a:r>
+              <a:rPr lang="en-US" dirty="0"/>
+              <a:t>Modeled </a:t>
+            </a:r>
+          </a:p>
+        </p:txBody>
+      </p:sp>
+      <p:sp>
+        <p:nvSpPr>
+          <p:cNvPr id="10" name="Arrow: Right 9">
+            <a:extLst>
+              <a:ext uri="{FF2B5EF4-FFF2-40B4-BE49-F238E27FC236}">
+                <a16:creationId xmlns:a16="http://schemas.microsoft.com/office/drawing/2014/main" id="{EA63A3D4-24E7-4718-9BE5-00C8659DF38E}"/>
+              </a:ext>
+            </a:extLst>
+          </p:cNvPr>
+          <p:cNvSpPr/>
+          <p:nvPr/>
+        </p:nvSpPr>
+        <p:spPr>
+          <a:xfrm>
+            <a:off x="1730828" y="5054472"/>
+            <a:ext cx="677666" cy="369332"/>
+          </a:xfrm>
+          <a:prstGeom prst="rightArrow">
+            <a:avLst/>
+          </a:prstGeom>
+        </p:spPr>
+        <p:style>
+          <a:lnRef idx="2">
+            <a:schemeClr val="accent1">
+              <a:shade val="50000"/>
+            </a:schemeClr>
+          </a:lnRef>
+          <a:fillRef idx="1">
+            <a:schemeClr val="accent1"/>
+          </a:fillRef>
+          <a:effectRef idx="0">
+            <a:schemeClr val="accent1"/>
+          </a:effectRef>
+          <a:fontRef idx="minor">
+            <a:schemeClr val="lt1"/>
+          </a:fontRef>
+        </p:style>
+        <p:txBody>
+          <a:bodyPr rtlCol="0" anchor="ctr"/>
+          <a:lstStyle/>
+          <a:p>
+            <a:pPr algn="ctr"/>
+            <a:endParaRPr lang="en-US"/>
+          </a:p>
+        </p:txBody>
+      </p:sp>
+    </p:spTree>
+    <p:extLst>
+      <p:ext uri="{BB962C8B-B14F-4D97-AF65-F5344CB8AC3E}">
+        <p14:creationId xmlns:p14="http://schemas.microsoft.com/office/powerpoint/2010/main" val="699665041"/>
+      </p:ext>
+    </p:extLst>
+  </p:cSld>
+  <p:clrMapOvr>
+    <a:masterClrMapping/>
+  </p:clrMapOvr>
+</p:sld>
+</file>
+
+<file path=ppt/slides/slide14.xml><?xml version="1.0" encoding="utf-8"?>
+<p:sld xmlns:a="http://schemas.openxmlformats.org/drawingml/2006/main" xmlns:r="http://schemas.openxmlformats.org/officeDocument/2006/relationships" xmlns:p="http://schemas.openxmlformats.org/presentationml/2006/main">
+  <p:cSld>
+    <p:spTree>
+      <p:nvGrpSpPr>
+        <p:cNvPr id="1" name=""/>
+        <p:cNvGrpSpPr/>
+        <p:nvPr/>
+      </p:nvGrpSpPr>
+      <p:grpSpPr>
+        <a:xfrm>
+          <a:off x="0" y="0"/>
+          <a:ext cx="0" cy="0"/>
+          <a:chOff x="0" y="0"/>
+          <a:chExt cx="0" cy="0"/>
+        </a:xfrm>
+      </p:grpSpPr>
+      <p:sp>
+        <p:nvSpPr>
+          <p:cNvPr id="2" name="Title 1">
+            <a:extLst>
+              <a:ext uri="{FF2B5EF4-FFF2-40B4-BE49-F238E27FC236}">
+                <a16:creationId xmlns:a16="http://schemas.microsoft.com/office/drawing/2014/main" id="{8086223D-1A60-468C-A9D8-7AA55D229C01}"/>
+              </a:ext>
+            </a:extLst>
+          </p:cNvPr>
+          <p:cNvSpPr>
+            <a:spLocks noGrp="1"/>
+          </p:cNvSpPr>
+          <p:nvPr>
+            <p:ph type="title"/>
+          </p:nvPr>
+        </p:nvSpPr>
+        <p:spPr/>
+        <p:txBody>
+          <a:bodyPr/>
+          <a:lstStyle/>
+          <a:p>
+            <a:r>
+              <a:rPr lang="en-US" dirty="0"/>
+              <a:t>Observed vs modeled diameter distributions</a:t>
+            </a:r>
+          </a:p>
+        </p:txBody>
+      </p:sp>
+      <p:pic>
+        <p:nvPicPr>
+          <p:cNvPr id="4" name="Content Placeholder 3">
+            <a:extLst>
+              <a:ext uri="{FF2B5EF4-FFF2-40B4-BE49-F238E27FC236}">
+                <a16:creationId xmlns:a16="http://schemas.microsoft.com/office/drawing/2014/main" id="{35479AE3-1BC7-4497-9347-829A4A210785}"/>
+              </a:ext>
+            </a:extLst>
+          </p:cNvPr>
+          <p:cNvPicPr>
+            <a:picLocks noGrp="1" noChangeAspect="1"/>
+          </p:cNvPicPr>
+          <p:nvPr>
+            <p:ph idx="1"/>
+          </p:nvPr>
+        </p:nvPicPr>
+        <p:blipFill>
+          <a:blip r:embed="rId2"/>
+          <a:stretch>
+            <a:fillRect/>
+          </a:stretch>
+        </p:blipFill>
+        <p:spPr>
+          <a:xfrm>
+            <a:off x="2730400" y="1484346"/>
+            <a:ext cx="6469941" cy="2141406"/>
+          </a:xfrm>
+          <a:prstGeom prst="rect">
+            <a:avLst/>
+          </a:prstGeom>
+        </p:spPr>
+      </p:pic>
+      <p:pic>
+        <p:nvPicPr>
+          <p:cNvPr id="5" name="Picture 4">
+            <a:extLst>
+              <a:ext uri="{FF2B5EF4-FFF2-40B4-BE49-F238E27FC236}">
+                <a16:creationId xmlns:a16="http://schemas.microsoft.com/office/drawing/2014/main" id="{2CD80FD0-3FDB-4EA5-9244-9CE45D402608}"/>
+              </a:ext>
+            </a:extLst>
+          </p:cNvPr>
+          <p:cNvPicPr>
+            <a:picLocks noChangeAspect="1"/>
+          </p:cNvPicPr>
+          <p:nvPr/>
+        </p:nvPicPr>
+        <p:blipFill>
+          <a:blip r:embed="rId3"/>
+          <a:stretch>
+            <a:fillRect/>
+          </a:stretch>
+        </p:blipFill>
+        <p:spPr>
+          <a:xfrm>
+            <a:off x="2730399" y="3925840"/>
+            <a:ext cx="6469941" cy="2141406"/>
+          </a:xfrm>
+          <a:prstGeom prst="rect">
+            <a:avLst/>
+          </a:prstGeom>
+        </p:spPr>
+      </p:pic>
+    </p:spTree>
+    <p:extLst>
+      <p:ext uri="{BB962C8B-B14F-4D97-AF65-F5344CB8AC3E}">
+        <p14:creationId xmlns:p14="http://schemas.microsoft.com/office/powerpoint/2010/main" val="1784491850"/>
+      </p:ext>
+    </p:extLst>
+  </p:cSld>
+  <p:clrMapOvr>
+    <a:masterClrMapping/>
+  </p:clrMapOvr>
+</p:sld>
+</file>
+
+<file path=ppt/slides/slide15.xml><?xml version="1.0" encoding="utf-8"?>
+<p:sld xmlns:a="http://schemas.openxmlformats.org/drawingml/2006/main" xmlns:r="http://schemas.openxmlformats.org/officeDocument/2006/relationships" xmlns:p="http://schemas.openxmlformats.org/presentationml/2006/main">
+  <p:cSld>
+    <p:spTree>
+      <p:nvGrpSpPr>
+        <p:cNvPr id="1" name=""/>
+        <p:cNvGrpSpPr/>
+        <p:nvPr/>
+      </p:nvGrpSpPr>
+      <p:grpSpPr>
+        <a:xfrm>
+          <a:off x="0" y="0"/>
+          <a:ext cx="0" cy="0"/>
+          <a:chOff x="0" y="0"/>
+          <a:chExt cx="0" cy="0"/>
+        </a:xfrm>
+      </p:grpSpPr>
+      <p:sp>
+        <p:nvSpPr>
+          <p:cNvPr id="2" name="Title 1">
+            <a:extLst>
+              <a:ext uri="{FF2B5EF4-FFF2-40B4-BE49-F238E27FC236}">
+                <a16:creationId xmlns:a16="http://schemas.microsoft.com/office/drawing/2014/main" id="{8086223D-1A60-468C-A9D8-7AA55D229C01}"/>
+              </a:ext>
+            </a:extLst>
+          </p:cNvPr>
+          <p:cNvSpPr>
+            <a:spLocks noGrp="1"/>
+          </p:cNvSpPr>
+          <p:nvPr>
+            <p:ph type="title"/>
+          </p:nvPr>
+        </p:nvSpPr>
+        <p:spPr/>
+        <p:txBody>
+          <a:bodyPr/>
+          <a:lstStyle/>
+          <a:p>
+            <a:r>
+              <a:rPr lang="en-US" dirty="0"/>
+              <a:t>Observed vs modeled diameter distributions</a:t>
+            </a:r>
+          </a:p>
+        </p:txBody>
+      </p:sp>
+      <p:pic>
+        <p:nvPicPr>
+          <p:cNvPr id="4" name="Content Placeholder 3">
+            <a:extLst>
+              <a:ext uri="{FF2B5EF4-FFF2-40B4-BE49-F238E27FC236}">
+                <a16:creationId xmlns:a16="http://schemas.microsoft.com/office/drawing/2014/main" id="{FC2AE8D9-1B39-4602-B343-A677572968DC}"/>
+              </a:ext>
+            </a:extLst>
+          </p:cNvPr>
+          <p:cNvPicPr>
+            <a:picLocks noGrp="1" noChangeAspect="1"/>
+          </p:cNvPicPr>
+          <p:nvPr>
+            <p:ph idx="1"/>
+          </p:nvPr>
+        </p:nvPicPr>
+        <p:blipFill>
+          <a:blip r:embed="rId2"/>
+          <a:stretch>
+            <a:fillRect/>
+          </a:stretch>
+        </p:blipFill>
+        <p:spPr>
+          <a:xfrm>
+            <a:off x="2861029" y="1353718"/>
+            <a:ext cx="6469941" cy="2141406"/>
+          </a:xfrm>
+          <a:prstGeom prst="rect">
+            <a:avLst/>
+          </a:prstGeom>
+        </p:spPr>
+      </p:pic>
+      <p:pic>
+        <p:nvPicPr>
+          <p:cNvPr id="5" name="Picture 4">
+            <a:extLst>
+              <a:ext uri="{FF2B5EF4-FFF2-40B4-BE49-F238E27FC236}">
+                <a16:creationId xmlns:a16="http://schemas.microsoft.com/office/drawing/2014/main" id="{D57F2ABE-29DD-45B5-BFC8-7E4B9F8B519C}"/>
+              </a:ext>
+            </a:extLst>
+          </p:cNvPr>
+          <p:cNvPicPr>
+            <a:picLocks noChangeAspect="1"/>
+          </p:cNvPicPr>
+          <p:nvPr/>
+        </p:nvPicPr>
+        <p:blipFill>
+          <a:blip r:embed="rId3"/>
+          <a:stretch>
+            <a:fillRect/>
+          </a:stretch>
+        </p:blipFill>
+        <p:spPr>
+          <a:xfrm>
+            <a:off x="2861028" y="3832534"/>
+            <a:ext cx="6469941" cy="2141406"/>
+          </a:xfrm>
+          <a:prstGeom prst="rect">
+            <a:avLst/>
+          </a:prstGeom>
+        </p:spPr>
+      </p:pic>
+    </p:spTree>
+    <p:extLst>
+      <p:ext uri="{BB962C8B-B14F-4D97-AF65-F5344CB8AC3E}">
+        <p14:creationId xmlns:p14="http://schemas.microsoft.com/office/powerpoint/2010/main" val="1316911235"/>
+      </p:ext>
+    </p:extLst>
+  </p:cSld>
+  <p:clrMapOvr>
+    <a:masterClrMapping/>
+  </p:clrMapOvr>
+</p:sld>
+</file>
+
+<file path=ppt/slides/slide16.xml><?xml version="1.0" encoding="utf-8"?>
+<p:sld xmlns:a="http://schemas.openxmlformats.org/drawingml/2006/main" xmlns:r="http://schemas.openxmlformats.org/officeDocument/2006/relationships" xmlns:p="http://schemas.openxmlformats.org/presentationml/2006/main">
+  <p:cSld>
+    <p:spTree>
+      <p:nvGrpSpPr>
+        <p:cNvPr id="1" name=""/>
+        <p:cNvGrpSpPr/>
+        <p:nvPr/>
+      </p:nvGrpSpPr>
+      <p:grpSpPr>
+        <a:xfrm>
+          <a:off x="0" y="0"/>
+          <a:ext cx="0" cy="0"/>
+          <a:chOff x="0" y="0"/>
+          <a:chExt cx="0" cy="0"/>
+        </a:xfrm>
+      </p:grpSpPr>
+      <p:sp>
+        <p:nvSpPr>
+          <p:cNvPr id="2" name="Title 1">
+            <a:extLst>
+              <a:ext uri="{FF2B5EF4-FFF2-40B4-BE49-F238E27FC236}">
+                <a16:creationId xmlns:a16="http://schemas.microsoft.com/office/drawing/2014/main" id="{8086223D-1A60-468C-A9D8-7AA55D229C01}"/>
+              </a:ext>
+            </a:extLst>
+          </p:cNvPr>
+          <p:cNvSpPr>
+            <a:spLocks noGrp="1"/>
+          </p:cNvSpPr>
+          <p:nvPr>
+            <p:ph type="title"/>
+          </p:nvPr>
+        </p:nvSpPr>
+        <p:spPr/>
+        <p:txBody>
+          <a:bodyPr/>
+          <a:lstStyle/>
+          <a:p>
+            <a:r>
+              <a:rPr lang="en-US" dirty="0"/>
+              <a:t>Observed vs modeled diameter distributions</a:t>
+            </a:r>
+          </a:p>
+        </p:txBody>
+      </p:sp>
+      <p:pic>
+        <p:nvPicPr>
+          <p:cNvPr id="4" name="Content Placeholder 3">
+            <a:extLst>
+              <a:ext uri="{FF2B5EF4-FFF2-40B4-BE49-F238E27FC236}">
+                <a16:creationId xmlns:a16="http://schemas.microsoft.com/office/drawing/2014/main" id="{7AC67ED8-65AE-4B01-AE6B-C80531E4B8F5}"/>
+              </a:ext>
+            </a:extLst>
+          </p:cNvPr>
+          <p:cNvPicPr>
+            <a:picLocks noGrp="1" noChangeAspect="1"/>
+          </p:cNvPicPr>
+          <p:nvPr>
+            <p:ph idx="1"/>
+          </p:nvPr>
+        </p:nvPicPr>
+        <p:blipFill>
+          <a:blip r:embed="rId2"/>
+          <a:stretch>
+            <a:fillRect/>
+          </a:stretch>
+        </p:blipFill>
+        <p:spPr>
+          <a:xfrm>
+            <a:off x="2599772" y="1400370"/>
+            <a:ext cx="6469941" cy="2141406"/>
+          </a:xfrm>
+          <a:prstGeom prst="rect">
+            <a:avLst/>
+          </a:prstGeom>
+        </p:spPr>
+      </p:pic>
+      <p:pic>
+        <p:nvPicPr>
+          <p:cNvPr id="5" name="Picture 4">
+            <a:extLst>
+              <a:ext uri="{FF2B5EF4-FFF2-40B4-BE49-F238E27FC236}">
+                <a16:creationId xmlns:a16="http://schemas.microsoft.com/office/drawing/2014/main" id="{756D9E1C-611A-4AFB-B65C-1F707DA75BC7}"/>
+              </a:ext>
+            </a:extLst>
+          </p:cNvPr>
+          <p:cNvPicPr>
+            <a:picLocks noChangeAspect="1"/>
+          </p:cNvPicPr>
+          <p:nvPr/>
+        </p:nvPicPr>
+        <p:blipFill>
+          <a:blip r:embed="rId3"/>
+          <a:stretch>
+            <a:fillRect/>
+          </a:stretch>
+        </p:blipFill>
+        <p:spPr>
+          <a:xfrm>
+            <a:off x="2599772" y="3804542"/>
+            <a:ext cx="6469941" cy="2141406"/>
+          </a:xfrm>
+          <a:prstGeom prst="rect">
+            <a:avLst/>
+          </a:prstGeom>
+        </p:spPr>
+      </p:pic>
+    </p:spTree>
+    <p:extLst>
+      <p:ext uri="{BB962C8B-B14F-4D97-AF65-F5344CB8AC3E}">
+        <p14:creationId xmlns:p14="http://schemas.microsoft.com/office/powerpoint/2010/main" val="2001581232"/>
+      </p:ext>
+    </p:extLst>
+  </p:cSld>
+  <p:clrMapOvr>
+    <a:masterClrMapping/>
+  </p:clrMapOvr>
+</p:sld>
+</file>
+
+<file path=ppt/slides/slide17.xml><?xml version="1.0" encoding="utf-8"?>
+<p:sld xmlns:a="http://schemas.openxmlformats.org/drawingml/2006/main" xmlns:r="http://schemas.openxmlformats.org/officeDocument/2006/relationships" xmlns:p="http://schemas.openxmlformats.org/presentationml/2006/main">
+  <p:cSld>
+    <p:spTree>
+      <p:nvGrpSpPr>
+        <p:cNvPr id="1" name=""/>
+        <p:cNvGrpSpPr/>
+        <p:nvPr/>
+      </p:nvGrpSpPr>
+      <p:grpSpPr>
+        <a:xfrm>
+          <a:off x="0" y="0"/>
+          <a:ext cx="0" cy="0"/>
+          <a:chOff x="0" y="0"/>
+          <a:chExt cx="0" cy="0"/>
+        </a:xfrm>
+      </p:grpSpPr>
+      <p:sp>
+        <p:nvSpPr>
+          <p:cNvPr id="2" name="Title 1">
+            <a:extLst>
+              <a:ext uri="{FF2B5EF4-FFF2-40B4-BE49-F238E27FC236}">
+                <a16:creationId xmlns:a16="http://schemas.microsoft.com/office/drawing/2014/main" id="{3555A30C-4EC4-43BE-AEF1-E1DD2CF396D3}"/>
+              </a:ext>
+            </a:extLst>
+          </p:cNvPr>
+          <p:cNvSpPr>
+            <a:spLocks noGrp="1"/>
+          </p:cNvSpPr>
+          <p:nvPr>
+            <p:ph type="title"/>
+          </p:nvPr>
+        </p:nvSpPr>
+        <p:spPr/>
+        <p:txBody>
+          <a:bodyPr>
+            <a:normAutofit/>
+          </a:bodyPr>
+          <a:lstStyle/>
+          <a:p>
+            <a:r>
+              <a:rPr lang="en-US" sz="2400" dirty="0"/>
+              <a:t>Top is new, steeper mortality curve (Platt 1988).</a:t>
+            </a:r>
+            <a:br>
+              <a:rPr lang="en-US" sz="2400" dirty="0"/>
+            </a:br>
+            <a:r>
+              <a:rPr lang="en-US" sz="2400" dirty="0"/>
+              <a:t>Bottom is old mortality curve</a:t>
+            </a:r>
+            <a:br>
+              <a:rPr lang="en-US" sz="2400" dirty="0"/>
+            </a:br>
+            <a:endParaRPr lang="en-US" sz="2400" dirty="0"/>
+          </a:p>
+        </p:txBody>
+      </p:sp>
+      <p:pic>
+        <p:nvPicPr>
+          <p:cNvPr id="4" name="Content Placeholder 3">
+            <a:extLst>
+              <a:ext uri="{FF2B5EF4-FFF2-40B4-BE49-F238E27FC236}">
+                <a16:creationId xmlns:a16="http://schemas.microsoft.com/office/drawing/2014/main" id="{4CA752CB-91B6-41E0-B36A-B6F54705E42B}"/>
+              </a:ext>
+            </a:extLst>
+          </p:cNvPr>
+          <p:cNvPicPr>
+            <a:picLocks noGrp="1" noChangeAspect="1"/>
+          </p:cNvPicPr>
+          <p:nvPr>
+            <p:ph idx="1"/>
+          </p:nvPr>
+        </p:nvPicPr>
+        <p:blipFill>
+          <a:blip r:embed="rId2"/>
+          <a:stretch>
+            <a:fillRect/>
+          </a:stretch>
+        </p:blipFill>
+        <p:spPr>
+          <a:xfrm>
+            <a:off x="2295332" y="1243443"/>
+            <a:ext cx="7268546" cy="5780356"/>
+          </a:xfrm>
+          <a:prstGeom prst="rect">
+            <a:avLst/>
+          </a:prstGeom>
+        </p:spPr>
+      </p:pic>
+    </p:spTree>
+    <p:extLst>
+      <p:ext uri="{BB962C8B-B14F-4D97-AF65-F5344CB8AC3E}">
+        <p14:creationId xmlns:p14="http://schemas.microsoft.com/office/powerpoint/2010/main" val="3058292002"/>
+      </p:ext>
+    </p:extLst>
+  </p:cSld>
+  <p:clrMapOvr>
+    <a:masterClrMapping/>
+  </p:clrMapOvr>
+</p:sld>
+</file>
+
+<file path=ppt/slides/slide18.xml><?xml version="1.0" encoding="utf-8"?>
+<p:sld xmlns:a="http://schemas.openxmlformats.org/drawingml/2006/main" xmlns:r="http://schemas.openxmlformats.org/officeDocument/2006/relationships" xmlns:p="http://schemas.openxmlformats.org/presentationml/2006/main">
+  <p:cSld>
+    <p:spTree>
+      <p:nvGrpSpPr>
+        <p:cNvPr id="1" name=""/>
+        <p:cNvGrpSpPr/>
+        <p:nvPr/>
+      </p:nvGrpSpPr>
+      <p:grpSpPr>
+        <a:xfrm>
+          <a:off x="0" y="0"/>
+          <a:ext cx="0" cy="0"/>
+          <a:chOff x="0" y="0"/>
+          <a:chExt cx="0" cy="0"/>
+        </a:xfrm>
+      </p:grpSpPr>
+      <p:sp>
+        <p:nvSpPr>
+          <p:cNvPr id="2" name="Title 1">
+            <a:extLst>
+              <a:ext uri="{FF2B5EF4-FFF2-40B4-BE49-F238E27FC236}">
+                <a16:creationId xmlns:a16="http://schemas.microsoft.com/office/drawing/2014/main" id="{42D0DBFB-2E5B-4B7E-A88E-EA3D678D83E8}"/>
+              </a:ext>
+            </a:extLst>
+          </p:cNvPr>
+          <p:cNvSpPr>
+            <a:spLocks noGrp="1"/>
+          </p:cNvSpPr>
+          <p:nvPr>
+            <p:ph type="title"/>
+          </p:nvPr>
+        </p:nvSpPr>
+        <p:spPr/>
+        <p:txBody>
+          <a:bodyPr>
+            <a:normAutofit fontScale="90000"/>
+          </a:bodyPr>
+          <a:lstStyle/>
+          <a:p>
+            <a:r>
+              <a:rPr lang="en-US" dirty="0"/>
+              <a:t>Left is 700tph simulated for 80 years using new mortality compared to old mortality (right)</a:t>
+            </a:r>
+          </a:p>
+        </p:txBody>
+      </p:sp>
+      <p:pic>
+        <p:nvPicPr>
+          <p:cNvPr id="4" name="Content Placeholder 3">
+            <a:extLst>
+              <a:ext uri="{FF2B5EF4-FFF2-40B4-BE49-F238E27FC236}">
+                <a16:creationId xmlns:a16="http://schemas.microsoft.com/office/drawing/2014/main" id="{43B6CF7B-A82C-4EA3-9C4B-553030EC0CDE}"/>
+              </a:ext>
+            </a:extLst>
+          </p:cNvPr>
+          <p:cNvPicPr>
+            <a:picLocks noGrp="1" noChangeAspect="1"/>
+          </p:cNvPicPr>
+          <p:nvPr>
+            <p:ph idx="1"/>
+          </p:nvPr>
+        </p:nvPicPr>
+        <p:blipFill>
+          <a:blip r:embed="rId2"/>
+          <a:stretch>
+            <a:fillRect/>
+          </a:stretch>
+        </p:blipFill>
+        <p:spPr>
+          <a:xfrm>
+            <a:off x="220466" y="2407298"/>
+            <a:ext cx="5721273" cy="3517673"/>
+          </a:xfrm>
+          <a:prstGeom prst="rect">
+            <a:avLst/>
+          </a:prstGeom>
+        </p:spPr>
+      </p:pic>
+      <p:pic>
+        <p:nvPicPr>
+          <p:cNvPr id="5" name="Picture 4">
+            <a:extLst>
+              <a:ext uri="{FF2B5EF4-FFF2-40B4-BE49-F238E27FC236}">
+                <a16:creationId xmlns:a16="http://schemas.microsoft.com/office/drawing/2014/main" id="{FD93255B-F352-4ECB-8B13-EBF6F354BFE4}"/>
+              </a:ext>
+            </a:extLst>
+          </p:cNvPr>
+          <p:cNvPicPr>
+            <a:picLocks noChangeAspect="1"/>
+          </p:cNvPicPr>
+          <p:nvPr/>
+        </p:nvPicPr>
+        <p:blipFill>
+          <a:blip r:embed="rId3"/>
+          <a:stretch>
+            <a:fillRect/>
+          </a:stretch>
+        </p:blipFill>
+        <p:spPr>
+          <a:xfrm>
+            <a:off x="6064277" y="2407298"/>
+            <a:ext cx="5907257" cy="3656153"/>
+          </a:xfrm>
+          <a:prstGeom prst="rect">
+            <a:avLst/>
+          </a:prstGeom>
+        </p:spPr>
+      </p:pic>
+    </p:spTree>
+    <p:extLst>
+      <p:ext uri="{BB962C8B-B14F-4D97-AF65-F5344CB8AC3E}">
+        <p14:creationId xmlns:p14="http://schemas.microsoft.com/office/powerpoint/2010/main" val="1741886364"/>
+      </p:ext>
+    </p:extLst>
+  </p:cSld>
+  <p:clrMapOvr>
+    <a:masterClrMapping/>
+  </p:clrMapOvr>
+</p:sld>
+</file>
+
+<file path=ppt/slides/slide19.xml><?xml version="1.0" encoding="utf-8"?>
+<p:sld xmlns:a="http://schemas.openxmlformats.org/drawingml/2006/main" xmlns:r="http://schemas.openxmlformats.org/officeDocument/2006/relationships" xmlns:p="http://schemas.openxmlformats.org/presentationml/2006/main">
+  <p:cSld>
+    <p:spTree>
+      <p:nvGrpSpPr>
+        <p:cNvPr id="1" name=""/>
+        <p:cNvGrpSpPr/>
+        <p:nvPr/>
+      </p:nvGrpSpPr>
+      <p:grpSpPr>
+        <a:xfrm>
+          <a:off x="0" y="0"/>
+          <a:ext cx="0" cy="0"/>
+          <a:chOff x="0" y="0"/>
+          <a:chExt cx="0" cy="0"/>
+        </a:xfrm>
+      </p:grpSpPr>
+      <p:sp>
+        <p:nvSpPr>
+          <p:cNvPr id="2" name="Title 1">
+            <a:extLst>
+              <a:ext uri="{FF2B5EF4-FFF2-40B4-BE49-F238E27FC236}">
+                <a16:creationId xmlns:a16="http://schemas.microsoft.com/office/drawing/2014/main" id="{E8C82F3A-70BE-4EDE-81A4-2F53D2F0D87E}"/>
+              </a:ext>
+            </a:extLst>
+          </p:cNvPr>
+          <p:cNvSpPr>
+            <a:spLocks noGrp="1"/>
+          </p:cNvSpPr>
+          <p:nvPr>
+            <p:ph type="title"/>
+          </p:nvPr>
+        </p:nvSpPr>
+        <p:spPr/>
+        <p:txBody>
+          <a:bodyPr/>
+          <a:lstStyle/>
+          <a:p>
+            <a:r>
+              <a:rPr lang="en-US" dirty="0"/>
+              <a:t>Graph on left is with new longleaf mortality</a:t>
+            </a:r>
+          </a:p>
+        </p:txBody>
+      </p:sp>
+      <p:pic>
+        <p:nvPicPr>
+          <p:cNvPr id="5" name="Picture 4">
+            <a:extLst>
+              <a:ext uri="{FF2B5EF4-FFF2-40B4-BE49-F238E27FC236}">
+                <a16:creationId xmlns:a16="http://schemas.microsoft.com/office/drawing/2014/main" id="{F66345DF-7C10-4578-8CE0-927FB1E5671E}"/>
+              </a:ext>
+            </a:extLst>
+          </p:cNvPr>
+          <p:cNvPicPr>
+            <a:picLocks noChangeAspect="1"/>
+          </p:cNvPicPr>
+          <p:nvPr/>
+        </p:nvPicPr>
+        <p:blipFill>
+          <a:blip r:embed="rId2"/>
+          <a:stretch>
+            <a:fillRect/>
+          </a:stretch>
+        </p:blipFill>
+        <p:spPr>
+          <a:xfrm>
+            <a:off x="6096000" y="1825625"/>
+            <a:ext cx="5648490" cy="3472923"/>
+          </a:xfrm>
+          <a:prstGeom prst="rect">
+            <a:avLst/>
+          </a:prstGeom>
+        </p:spPr>
+      </p:pic>
+      <p:pic>
+        <p:nvPicPr>
+          <p:cNvPr id="8" name="Picture 7">
+            <a:extLst>
+              <a:ext uri="{FF2B5EF4-FFF2-40B4-BE49-F238E27FC236}">
+                <a16:creationId xmlns:a16="http://schemas.microsoft.com/office/drawing/2014/main" id="{FE2D39B7-C15D-46C8-AB99-2B24662CA7B2}"/>
+              </a:ext>
+            </a:extLst>
+          </p:cNvPr>
+          <p:cNvPicPr>
+            <a:picLocks noChangeAspect="1"/>
+          </p:cNvPicPr>
+          <p:nvPr/>
+        </p:nvPicPr>
+        <p:blipFill>
+          <a:blip r:embed="rId3"/>
+          <a:stretch>
+            <a:fillRect/>
+          </a:stretch>
+        </p:blipFill>
+        <p:spPr>
+          <a:xfrm>
+            <a:off x="386701" y="1825625"/>
+            <a:ext cx="5709299" cy="3510311"/>
+          </a:xfrm>
+          <a:prstGeom prst="rect">
+            <a:avLst/>
+          </a:prstGeom>
+        </p:spPr>
+      </p:pic>
+    </p:spTree>
+    <p:extLst>
+      <p:ext uri="{BB962C8B-B14F-4D97-AF65-F5344CB8AC3E}">
+        <p14:creationId xmlns:p14="http://schemas.microsoft.com/office/powerpoint/2010/main" val="3388670123"/>
       </p:ext>
     </p:extLst>
   </p:cSld>
@@ -3425,7 +5312,7 @@
           <p:cNvPr id="2" name="Title 1">
             <a:extLst>
               <a:ext uri="{FF2B5EF4-FFF2-40B4-BE49-F238E27FC236}">
-                <a16:creationId xmlns:a16="http://schemas.microsoft.com/office/drawing/2014/main" id="{8086223D-1A60-468C-A9D8-7AA55D229C01}"/>
+                <a16:creationId xmlns:a16="http://schemas.microsoft.com/office/drawing/2014/main" id="{E8C82F3A-70BE-4EDE-81A4-2F53D2F0D87E}"/>
               </a:ext>
             </a:extLst>
           </p:cNvPr>
@@ -3438,31 +5325,35 @@
         </p:nvSpPr>
         <p:spPr/>
         <p:txBody>
-          <a:bodyPr/>
-          <a:lstStyle/>
-          <a:p>
-            <a:r>
+          <a:bodyPr>
+            <a:normAutofit/>
+          </a:bodyPr>
+          <a:lstStyle/>
+          <a:p>
+            <a:r>
+              <a:rPr lang="en-US" sz="3600" dirty="0"/>
+              <a:t>Original mortalities</a:t>
+            </a:r>
+            <a:br>
               <a:rPr lang="en-US" dirty="0"/>
-              <a:t>Observed vs modeled diameter distributions</a:t>
-            </a:r>
+            </a:br>
+            <a:endParaRPr lang="en-US" dirty="0"/>
           </a:p>
         </p:txBody>
       </p:sp>
       <p:pic>
         <p:nvPicPr>
-          <p:cNvPr id="5" name="Content Placeholder 4">
-            <a:extLst>
-              <a:ext uri="{FF2B5EF4-FFF2-40B4-BE49-F238E27FC236}">
-                <a16:creationId xmlns:a16="http://schemas.microsoft.com/office/drawing/2014/main" id="{064A47D2-03C5-41F0-AF93-C5FCD63395BB}"/>
+          <p:cNvPr id="5" name="Picture 4">
+            <a:extLst>
+              <a:ext uri="{FF2B5EF4-FFF2-40B4-BE49-F238E27FC236}">
+                <a16:creationId xmlns:a16="http://schemas.microsoft.com/office/drawing/2014/main" id="{9F3EB2DC-64B6-474F-9FBD-35EA21D30D30}"/>
               </a:ext>
             </a:extLst>
           </p:cNvPr>
           <p:cNvPicPr>
-            <a:picLocks noGrp="1" noChangeAspect="1"/>
+            <a:picLocks noChangeAspect="1"/>
           </p:cNvPicPr>
-          <p:nvPr>
-            <p:ph idx="1"/>
-          </p:nvPr>
+          <p:nvPr/>
         </p:nvPicPr>
         <p:blipFill>
           <a:blip r:embed="rId2"/>
@@ -3472,8 +5363,8 @@
         </p:blipFill>
         <p:spPr>
           <a:xfrm>
-            <a:off x="2618433" y="1690688"/>
-            <a:ext cx="6469941" cy="2141406"/>
+            <a:off x="309612" y="1582016"/>
+            <a:ext cx="5786388" cy="3126806"/>
           </a:xfrm>
           <a:prstGeom prst="rect">
             <a:avLst/>
@@ -3485,7 +5376,7 @@
           <p:cNvPr id="6" name="Picture 5">
             <a:extLst>
               <a:ext uri="{FF2B5EF4-FFF2-40B4-BE49-F238E27FC236}">
-                <a16:creationId xmlns:a16="http://schemas.microsoft.com/office/drawing/2014/main" id="{CDE75080-6B7D-468D-9582-CC71FFB1E00E}"/>
+                <a16:creationId xmlns:a16="http://schemas.microsoft.com/office/drawing/2014/main" id="{0BBB1F18-FD68-431B-BB2B-DD6A574780CB}"/>
               </a:ext>
             </a:extLst>
           </p:cNvPr>
@@ -3502,8 +5393,8 @@
         </p:blipFill>
         <p:spPr>
           <a:xfrm>
-            <a:off x="2618433" y="4168435"/>
-            <a:ext cx="6469941" cy="2141406"/>
+            <a:off x="6184788" y="1582016"/>
+            <a:ext cx="5786388" cy="3126806"/>
           </a:xfrm>
           <a:prstGeom prst="rect">
             <a:avLst/>
@@ -3512,10 +5403,10 @@
       </p:pic>
       <p:sp>
         <p:nvSpPr>
-          <p:cNvPr id="7" name="TextBox 6">
-            <a:extLst>
-              <a:ext uri="{FF2B5EF4-FFF2-40B4-BE49-F238E27FC236}">
-                <a16:creationId xmlns:a16="http://schemas.microsoft.com/office/drawing/2014/main" id="{88E52DE7-C8A5-4381-8402-66B556F73309}"/>
+          <p:cNvPr id="12" name="TextBox 11">
+            <a:extLst>
+              <a:ext uri="{FF2B5EF4-FFF2-40B4-BE49-F238E27FC236}">
+                <a16:creationId xmlns:a16="http://schemas.microsoft.com/office/drawing/2014/main" id="{EEB3C11E-D4FA-46CC-8A2C-1FADAF07DB82}"/>
               </a:ext>
             </a:extLst>
           </p:cNvPr>
@@ -3524,8 +5415,8 @@
         </p:nvSpPr>
         <p:spPr>
           <a:xfrm>
-            <a:off x="662473" y="2267339"/>
-            <a:ext cx="1474237" cy="369332"/>
+            <a:off x="1033366" y="5556381"/>
+            <a:ext cx="3146748" cy="646331"/>
           </a:xfrm>
           <a:prstGeom prst="rect">
             <a:avLst/>
@@ -3533,70 +5424,30 @@
           <a:noFill/>
         </p:spPr>
         <p:txBody>
-          <a:bodyPr wrap="square" rtlCol="0">
+          <a:bodyPr wrap="square">
             <a:spAutoFit/>
           </a:bodyPr>
           <a:lstStyle/>
           <a:p>
             <a:r>
               <a:rPr lang="en-US" dirty="0"/>
-              <a:t>Observed </a:t>
-            </a:r>
-          </a:p>
-        </p:txBody>
-      </p:sp>
-      <p:sp>
-        <p:nvSpPr>
-          <p:cNvPr id="8" name="Arrow: Right 7">
-            <a:extLst>
-              <a:ext uri="{FF2B5EF4-FFF2-40B4-BE49-F238E27FC236}">
-                <a16:creationId xmlns:a16="http://schemas.microsoft.com/office/drawing/2014/main" id="{304EBFCC-E8B5-4856-B5FA-CDA01E11067C}"/>
-              </a:ext>
-            </a:extLst>
-          </p:cNvPr>
-          <p:cNvSpPr/>
-          <p:nvPr/>
-        </p:nvSpPr>
-        <p:spPr>
-          <a:xfrm>
-            <a:off x="1699906" y="2267339"/>
-            <a:ext cx="677666" cy="369332"/>
-          </a:xfrm>
-          <a:prstGeom prst="rightArrow">
-            <a:avLst/>
-          </a:prstGeom>
-        </p:spPr>
-        <p:style>
-          <a:lnRef idx="2">
-            <a:schemeClr val="accent1">
-              <a:shade val="50000"/>
-            </a:schemeClr>
-          </a:lnRef>
-          <a:fillRef idx="1">
-            <a:schemeClr val="accent1"/>
-          </a:fillRef>
-          <a:effectRef idx="0">
-            <a:schemeClr val="accent1"/>
-          </a:effectRef>
-          <a:fontRef idx="minor">
-            <a:schemeClr val="lt1"/>
-          </a:fontRef>
-        </p:style>
-        <p:txBody>
-          <a:bodyPr rtlCol="0" anchor="ctr"/>
-          <a:lstStyle/>
-          <a:p>
-            <a:pPr algn="ctr"/>
-            <a:endParaRPr lang="en-US"/>
-          </a:p>
-        </p:txBody>
-      </p:sp>
-      <p:sp>
-        <p:nvSpPr>
-          <p:cNvPr id="9" name="TextBox 8">
-            <a:extLst>
-              <a:ext uri="{FF2B5EF4-FFF2-40B4-BE49-F238E27FC236}">
-                <a16:creationId xmlns:a16="http://schemas.microsoft.com/office/drawing/2014/main" id="{9E85885C-986D-42CD-98AC-47C6500E5C55}"/>
+              <a:t>Adjusted R-squared:  0.6945 or </a:t>
+            </a:r>
+          </a:p>
+          <a:p>
+            <a:r>
+              <a:rPr lang="en-US" dirty="0"/>
+              <a:t>0.7023 without outlier </a:t>
+            </a:r>
+          </a:p>
+        </p:txBody>
+      </p:sp>
+      <p:sp>
+        <p:nvSpPr>
+          <p:cNvPr id="14" name="TextBox 13">
+            <a:extLst>
+              <a:ext uri="{FF2B5EF4-FFF2-40B4-BE49-F238E27FC236}">
+                <a16:creationId xmlns:a16="http://schemas.microsoft.com/office/drawing/2014/main" id="{DB011F94-DF9C-4660-B7F8-9F4439DF63FE}"/>
               </a:ext>
             </a:extLst>
           </p:cNvPr>
@@ -3605,8 +5456,8 @@
         </p:nvSpPr>
         <p:spPr>
           <a:xfrm>
-            <a:off x="724318" y="5054472"/>
-            <a:ext cx="1474237" cy="369332"/>
+            <a:off x="7555463" y="5556381"/>
+            <a:ext cx="3417337" cy="646331"/>
           </a:xfrm>
           <a:prstGeom prst="rect">
             <a:avLst/>
@@ -3614,68 +5465,22 @@
           <a:noFill/>
         </p:spPr>
         <p:txBody>
-          <a:bodyPr wrap="square" rtlCol="0">
+          <a:bodyPr wrap="square">
             <a:spAutoFit/>
           </a:bodyPr>
           <a:lstStyle/>
           <a:p>
             <a:r>
               <a:rPr lang="en-US" dirty="0"/>
-              <a:t>Modeled </a:t>
-            </a:r>
-          </a:p>
-        </p:txBody>
-      </p:sp>
-      <p:sp>
-        <p:nvSpPr>
-          <p:cNvPr id="10" name="Arrow: Right 9">
-            <a:extLst>
-              <a:ext uri="{FF2B5EF4-FFF2-40B4-BE49-F238E27FC236}">
-                <a16:creationId xmlns:a16="http://schemas.microsoft.com/office/drawing/2014/main" id="{EA63A3D4-24E7-4718-9BE5-00C8659DF38E}"/>
-              </a:ext>
-            </a:extLst>
-          </p:cNvPr>
-          <p:cNvSpPr/>
-          <p:nvPr/>
-        </p:nvSpPr>
-        <p:spPr>
-          <a:xfrm>
-            <a:off x="1730828" y="5054472"/>
-            <a:ext cx="677666" cy="369332"/>
-          </a:xfrm>
-          <a:prstGeom prst="rightArrow">
-            <a:avLst/>
-          </a:prstGeom>
-        </p:spPr>
-        <p:style>
-          <a:lnRef idx="2">
-            <a:schemeClr val="accent1">
-              <a:shade val="50000"/>
-            </a:schemeClr>
-          </a:lnRef>
-          <a:fillRef idx="1">
-            <a:schemeClr val="accent1"/>
-          </a:fillRef>
-          <a:effectRef idx="0">
-            <a:schemeClr val="accent1"/>
-          </a:effectRef>
-          <a:fontRef idx="minor">
-            <a:schemeClr val="lt1"/>
-          </a:fontRef>
-        </p:style>
-        <p:txBody>
-          <a:bodyPr rtlCol="0" anchor="ctr"/>
-          <a:lstStyle/>
-          <a:p>
-            <a:pPr algn="ctr"/>
-            <a:endParaRPr lang="en-US"/>
+              <a:t>Adjusted R-squared:  0.1807 or 0.2105 without outlier</a:t>
+            </a:r>
           </a:p>
         </p:txBody>
       </p:sp>
     </p:spTree>
     <p:extLst>
       <p:ext uri="{BB962C8B-B14F-4D97-AF65-F5344CB8AC3E}">
-        <p14:creationId xmlns:p14="http://schemas.microsoft.com/office/powerpoint/2010/main" val="699665041"/>
+        <p14:creationId xmlns:p14="http://schemas.microsoft.com/office/powerpoint/2010/main" val="81404886"/>
       </p:ext>
     </p:extLst>
   </p:cSld>
@@ -3707,15 +5512,15 @@
           <p:cNvPr id="2" name="Title 1">
             <a:extLst>
               <a:ext uri="{FF2B5EF4-FFF2-40B4-BE49-F238E27FC236}">
-                <a16:creationId xmlns:a16="http://schemas.microsoft.com/office/drawing/2014/main" id="{8086223D-1A60-468C-A9D8-7AA55D229C01}"/>
-              </a:ext>
-            </a:extLst>
-          </p:cNvPr>
-          <p:cNvSpPr>
-            <a:spLocks noGrp="1"/>
-          </p:cNvSpPr>
-          <p:nvPr>
-            <p:ph type="title"/>
+                <a16:creationId xmlns:a16="http://schemas.microsoft.com/office/drawing/2014/main" id="{66B9BD9B-DEA7-46FA-8A78-435C2DC665A8}"/>
+              </a:ext>
+            </a:extLst>
+          </p:cNvPr>
+          <p:cNvSpPr>
+            <a:spLocks noGrp="1"/>
+          </p:cNvSpPr>
+          <p:nvPr>
+            <p:ph type="ctrTitle"/>
           </p:nvPr>
         </p:nvSpPr>
         <p:spPr/>
@@ -3725,77 +5530,49 @@
           <a:p>
             <a:r>
               <a:rPr lang="en-US" dirty="0"/>
-              <a:t>Observed vs modeled diameter distributions</a:t>
-            </a:r>
-          </a:p>
-        </p:txBody>
-      </p:sp>
-      <p:pic>
-        <p:nvPicPr>
-          <p:cNvPr id="4" name="Content Placeholder 3">
-            <a:extLst>
-              <a:ext uri="{FF2B5EF4-FFF2-40B4-BE49-F238E27FC236}">
-                <a16:creationId xmlns:a16="http://schemas.microsoft.com/office/drawing/2014/main" id="{35479AE3-1BC7-4497-9347-829A4A210785}"/>
-              </a:ext>
-            </a:extLst>
-          </p:cNvPr>
-          <p:cNvPicPr>
-            <a:picLocks noGrp="1" noChangeAspect="1"/>
-          </p:cNvPicPr>
-          <p:nvPr>
-            <p:ph idx="1"/>
-          </p:nvPr>
-        </p:nvPicPr>
-        <p:blipFill>
-          <a:blip r:embed="rId2"/>
-          <a:stretch>
-            <a:fillRect/>
-          </a:stretch>
-        </p:blipFill>
-        <p:spPr>
-          <a:xfrm>
-            <a:off x="2730400" y="1484346"/>
-            <a:ext cx="6469941" cy="2141406"/>
-          </a:xfrm>
-          <a:prstGeom prst="rect">
-            <a:avLst/>
-          </a:prstGeom>
-        </p:spPr>
-      </p:pic>
-      <p:pic>
-        <p:nvPicPr>
-          <p:cNvPr id="5" name="Picture 4">
-            <a:extLst>
-              <a:ext uri="{FF2B5EF4-FFF2-40B4-BE49-F238E27FC236}">
-                <a16:creationId xmlns:a16="http://schemas.microsoft.com/office/drawing/2014/main" id="{2CD80FD0-3FDB-4EA5-9244-9CE45D402608}"/>
-              </a:ext>
-            </a:extLst>
-          </p:cNvPr>
-          <p:cNvPicPr>
-            <a:picLocks noChangeAspect="1"/>
-          </p:cNvPicPr>
-          <p:nvPr/>
-        </p:nvPicPr>
-        <p:blipFill>
-          <a:blip r:embed="rId3"/>
-          <a:stretch>
-            <a:fillRect/>
-          </a:stretch>
-        </p:blipFill>
-        <p:spPr>
-          <a:xfrm>
-            <a:off x="2730399" y="3925840"/>
-            <a:ext cx="6469941" cy="2141406"/>
-          </a:xfrm>
-          <a:prstGeom prst="rect">
-            <a:avLst/>
-          </a:prstGeom>
-        </p:spPr>
-      </p:pic>
+              <a:t>Slash pine</a:t>
+            </a:r>
+          </a:p>
+        </p:txBody>
+      </p:sp>
+      <p:sp>
+        <p:nvSpPr>
+          <p:cNvPr id="3" name="Subtitle 2">
+            <a:extLst>
+              <a:ext uri="{FF2B5EF4-FFF2-40B4-BE49-F238E27FC236}">
+                <a16:creationId xmlns:a16="http://schemas.microsoft.com/office/drawing/2014/main" id="{D256324A-3D7A-4425-B2C6-BB3650A05FB9}"/>
+              </a:ext>
+            </a:extLst>
+          </p:cNvPr>
+          <p:cNvSpPr>
+            <a:spLocks noGrp="1"/>
+          </p:cNvSpPr>
+          <p:nvPr>
+            <p:ph type="subTitle" idx="1"/>
+          </p:nvPr>
+        </p:nvSpPr>
+        <p:spPr/>
+        <p:txBody>
+          <a:bodyPr/>
+          <a:lstStyle/>
+          <a:p>
+            <a:r>
+              <a:rPr lang="en-US" dirty="0"/>
+              <a:t>Seeing if decreasing intervals for mortality helps</a:t>
+            </a:r>
+          </a:p>
+          <a:p>
+            <a:r>
+              <a:rPr lang="en-US" dirty="0"/>
+              <a:t>I used the mortality curve from same paper (neg exponential, but with more points along the curve)</a:t>
+            </a:r>
+          </a:p>
+        </p:txBody>
+      </p:sp>
     </p:spTree>
     <p:extLst>
       <p:ext uri="{BB962C8B-B14F-4D97-AF65-F5344CB8AC3E}">
-        <p14:creationId xmlns:p14="http://schemas.microsoft.com/office/powerpoint/2010/main" val="1784491850"/>
+        <p14:creationId xmlns:p14="http://schemas.microsoft.com/office/powerpoint/2010/main" val="3309864268"/>
       </p:ext>
     </p:extLst>
   </p:cSld>
@@ -3827,7 +5604,7 @@
           <p:cNvPr id="2" name="Title 1">
             <a:extLst>
               <a:ext uri="{FF2B5EF4-FFF2-40B4-BE49-F238E27FC236}">
-                <a16:creationId xmlns:a16="http://schemas.microsoft.com/office/drawing/2014/main" id="{8086223D-1A60-468C-A9D8-7AA55D229C01}"/>
+                <a16:creationId xmlns:a16="http://schemas.microsoft.com/office/drawing/2014/main" id="{E8C82F3A-70BE-4EDE-81A4-2F53D2F0D87E}"/>
               </a:ext>
             </a:extLst>
           </p:cNvPr>
@@ -3840,31 +5617,42 @@
         </p:nvSpPr>
         <p:spPr/>
         <p:txBody>
-          <a:bodyPr/>
-          <a:lstStyle/>
-          <a:p>
-            <a:r>
+          <a:bodyPr>
+            <a:normAutofit fontScale="90000"/>
+          </a:bodyPr>
+          <a:lstStyle/>
+          <a:p>
+            <a:r>
+              <a:rPr lang="en-US" sz="3600" dirty="0"/>
+              <a:t>Left is with new longleaf mortality and new slash pine mortality</a:t>
+            </a:r>
+            <a:br>
+              <a:rPr lang="en-US" sz="3600" dirty="0"/>
+            </a:br>
+            <a:r>
+              <a:rPr lang="en-US" sz="3600" dirty="0"/>
+              <a:t>right is old longleaf mortality and new slash pine mortality</a:t>
+            </a:r>
+            <a:br>
               <a:rPr lang="en-US" dirty="0"/>
-              <a:t>Observed vs modeled diameter distributions</a:t>
-            </a:r>
+            </a:br>
+            <a:endParaRPr lang="en-US" dirty="0"/>
           </a:p>
         </p:txBody>
       </p:sp>
       <p:pic>
         <p:nvPicPr>
-          <p:cNvPr id="4" name="Content Placeholder 3">
-            <a:extLst>
-              <a:ext uri="{FF2B5EF4-FFF2-40B4-BE49-F238E27FC236}">
-                <a16:creationId xmlns:a16="http://schemas.microsoft.com/office/drawing/2014/main" id="{FC2AE8D9-1B39-4602-B343-A677572968DC}"/>
+          <p:cNvPr id="3" name="Picture 2">
+            <a:extLst>
+              <a:ext uri="{FF2B5EF4-FFF2-40B4-BE49-F238E27FC236}">
+                <a16:creationId xmlns:a16="http://schemas.microsoft.com/office/drawing/2014/main" id="{59301AB1-75A8-4088-8516-99865D55C714}"/>
               </a:ext>
             </a:extLst>
           </p:cNvPr>
           <p:cNvPicPr>
-            <a:picLocks noGrp="1" noChangeAspect="1"/>
+            <a:picLocks noChangeAspect="1"/>
           </p:cNvPicPr>
-          <p:nvPr>
-            <p:ph idx="1"/>
-          </p:nvPr>
+          <p:nvPr/>
         </p:nvPicPr>
         <p:blipFill>
           <a:blip r:embed="rId2"/>
@@ -3874,8 +5662,8 @@
         </p:blipFill>
         <p:spPr>
           <a:xfrm>
-            <a:off x="2861029" y="1353718"/>
-            <a:ext cx="6469941" cy="2141406"/>
+            <a:off x="300280" y="1925199"/>
+            <a:ext cx="5601185" cy="3977985"/>
           </a:xfrm>
           <a:prstGeom prst="rect">
             <a:avLst/>
@@ -3884,10 +5672,10 @@
       </p:pic>
       <p:pic>
         <p:nvPicPr>
-          <p:cNvPr id="5" name="Picture 4">
-            <a:extLst>
-              <a:ext uri="{FF2B5EF4-FFF2-40B4-BE49-F238E27FC236}">
-                <a16:creationId xmlns:a16="http://schemas.microsoft.com/office/drawing/2014/main" id="{D57F2ABE-29DD-45B5-BFC8-7E4B9F8B519C}"/>
+          <p:cNvPr id="4" name="Picture 3">
+            <a:extLst>
+              <a:ext uri="{FF2B5EF4-FFF2-40B4-BE49-F238E27FC236}">
+                <a16:creationId xmlns:a16="http://schemas.microsoft.com/office/drawing/2014/main" id="{71AF0A22-19B2-457B-A8BA-B632F9A90305}"/>
               </a:ext>
             </a:extLst>
           </p:cNvPr>
@@ -3904,18 +5692,88 @@
         </p:blipFill>
         <p:spPr>
           <a:xfrm>
-            <a:off x="2861028" y="3832534"/>
-            <a:ext cx="6469941" cy="2141406"/>
+            <a:off x="6290537" y="1925198"/>
+            <a:ext cx="5601185" cy="3977985"/>
           </a:xfrm>
           <a:prstGeom prst="rect">
             <a:avLst/>
           </a:prstGeom>
         </p:spPr>
       </p:pic>
+      <p:sp>
+        <p:nvSpPr>
+          <p:cNvPr id="9" name="TextBox 8">
+            <a:extLst>
+              <a:ext uri="{FF2B5EF4-FFF2-40B4-BE49-F238E27FC236}">
+                <a16:creationId xmlns:a16="http://schemas.microsoft.com/office/drawing/2014/main" id="{B6807D33-4BCA-41F6-9D1F-8D78E738480F}"/>
+              </a:ext>
+            </a:extLst>
+          </p:cNvPr>
+          <p:cNvSpPr txBox="1"/>
+          <p:nvPr/>
+        </p:nvSpPr>
+        <p:spPr>
+          <a:xfrm>
+            <a:off x="7126255" y="6123543"/>
+            <a:ext cx="3044112" cy="369332"/>
+          </a:xfrm>
+          <a:prstGeom prst="rect">
+            <a:avLst/>
+          </a:prstGeom>
+          <a:noFill/>
+        </p:spPr>
+        <p:txBody>
+          <a:bodyPr wrap="square">
+            <a:spAutoFit/>
+          </a:bodyPr>
+          <a:lstStyle/>
+          <a:p>
+            <a:r>
+              <a:rPr lang="en-US" dirty="0"/>
+              <a:t>Adjusted R-squared:  0.6859</a:t>
+            </a:r>
+          </a:p>
+        </p:txBody>
+      </p:sp>
+      <p:sp>
+        <p:nvSpPr>
+          <p:cNvPr id="11" name="TextBox 10">
+            <a:extLst>
+              <a:ext uri="{FF2B5EF4-FFF2-40B4-BE49-F238E27FC236}">
+                <a16:creationId xmlns:a16="http://schemas.microsoft.com/office/drawing/2014/main" id="{722AEF9D-8600-41A4-8C9C-11EBA2CB2D11}"/>
+              </a:ext>
+            </a:extLst>
+          </p:cNvPr>
+          <p:cNvSpPr txBox="1"/>
+          <p:nvPr/>
+        </p:nvSpPr>
+        <p:spPr>
+          <a:xfrm>
+            <a:off x="1266631" y="6137693"/>
+            <a:ext cx="3128087" cy="369332"/>
+          </a:xfrm>
+          <a:prstGeom prst="rect">
+            <a:avLst/>
+          </a:prstGeom>
+          <a:noFill/>
+        </p:spPr>
+        <p:txBody>
+          <a:bodyPr wrap="square">
+            <a:spAutoFit/>
+          </a:bodyPr>
+          <a:lstStyle/>
+          <a:p>
+            <a:r>
+              <a:rPr lang="en-US" dirty="0"/>
+              <a:t>Adjusted R-squared:  0.6711</a:t>
+            </a:r>
+          </a:p>
+        </p:txBody>
+      </p:sp>
     </p:spTree>
     <p:extLst>
       <p:ext uri="{BB962C8B-B14F-4D97-AF65-F5344CB8AC3E}">
-        <p14:creationId xmlns:p14="http://schemas.microsoft.com/office/powerpoint/2010/main" val="1316911235"/>
+        <p14:creationId xmlns:p14="http://schemas.microsoft.com/office/powerpoint/2010/main" val="2402359698"/>
       </p:ext>
     </p:extLst>
   </p:cSld>
@@ -3947,7 +5805,7 @@
           <p:cNvPr id="2" name="Title 1">
             <a:extLst>
               <a:ext uri="{FF2B5EF4-FFF2-40B4-BE49-F238E27FC236}">
-                <a16:creationId xmlns:a16="http://schemas.microsoft.com/office/drawing/2014/main" id="{8086223D-1A60-468C-A9D8-7AA55D229C01}"/>
+                <a16:creationId xmlns:a16="http://schemas.microsoft.com/office/drawing/2014/main" id="{E8C82F3A-70BE-4EDE-81A4-2F53D2F0D87E}"/>
               </a:ext>
             </a:extLst>
           </p:cNvPr>
@@ -3960,31 +5818,42 @@
         </p:nvSpPr>
         <p:spPr/>
         <p:txBody>
-          <a:bodyPr/>
-          <a:lstStyle/>
-          <a:p>
-            <a:r>
+          <a:bodyPr>
+            <a:normAutofit fontScale="90000"/>
+          </a:bodyPr>
+          <a:lstStyle/>
+          <a:p>
+            <a:r>
+              <a:rPr lang="en-US" sz="3600" dirty="0"/>
+              <a:t>Left is with new longleaf mortality and new slash pine mortality</a:t>
+            </a:r>
+            <a:br>
+              <a:rPr lang="en-US" sz="3600" dirty="0"/>
+            </a:br>
+            <a:r>
+              <a:rPr lang="en-US" sz="3600" dirty="0"/>
+              <a:t>right is old longleaf mortality and new slash pine mortality</a:t>
+            </a:r>
+            <a:br>
               <a:rPr lang="en-US" dirty="0"/>
-              <a:t>Observed vs modeled diameter distributions</a:t>
-            </a:r>
+            </a:br>
+            <a:endParaRPr lang="en-US" dirty="0"/>
           </a:p>
         </p:txBody>
       </p:sp>
       <p:pic>
         <p:nvPicPr>
-          <p:cNvPr id="4" name="Content Placeholder 3">
-            <a:extLst>
-              <a:ext uri="{FF2B5EF4-FFF2-40B4-BE49-F238E27FC236}">
-                <a16:creationId xmlns:a16="http://schemas.microsoft.com/office/drawing/2014/main" id="{7AC67ED8-65AE-4B01-AE6B-C80531E4B8F5}"/>
+          <p:cNvPr id="5" name="Picture 4">
+            <a:extLst>
+              <a:ext uri="{FF2B5EF4-FFF2-40B4-BE49-F238E27FC236}">
+                <a16:creationId xmlns:a16="http://schemas.microsoft.com/office/drawing/2014/main" id="{3C8A8FF6-29CE-4955-BE11-71228A679D62}"/>
               </a:ext>
             </a:extLst>
           </p:cNvPr>
           <p:cNvPicPr>
-            <a:picLocks noGrp="1" noChangeAspect="1"/>
+            <a:picLocks noChangeAspect="1"/>
           </p:cNvPicPr>
-          <p:nvPr>
-            <p:ph idx="1"/>
-          </p:nvPr>
+          <p:nvPr/>
         </p:nvPicPr>
         <p:blipFill>
           <a:blip r:embed="rId2"/>
@@ -3994,8 +5863,8 @@
         </p:blipFill>
         <p:spPr>
           <a:xfrm>
-            <a:off x="2599772" y="1400370"/>
-            <a:ext cx="6469941" cy="2141406"/>
+            <a:off x="838200" y="2074489"/>
+            <a:ext cx="5601185" cy="3977985"/>
           </a:xfrm>
           <a:prstGeom prst="rect">
             <a:avLst/>
@@ -4004,10 +5873,10 @@
       </p:pic>
       <p:pic>
         <p:nvPicPr>
-          <p:cNvPr id="5" name="Picture 4">
-            <a:extLst>
-              <a:ext uri="{FF2B5EF4-FFF2-40B4-BE49-F238E27FC236}">
-                <a16:creationId xmlns:a16="http://schemas.microsoft.com/office/drawing/2014/main" id="{756D9E1C-611A-4AFB-B65C-1F707DA75BC7}"/>
+          <p:cNvPr id="6" name="Picture 5">
+            <a:extLst>
+              <a:ext uri="{FF2B5EF4-FFF2-40B4-BE49-F238E27FC236}">
+                <a16:creationId xmlns:a16="http://schemas.microsoft.com/office/drawing/2014/main" id="{E65C8711-FC6C-4EA2-B49E-BE803FB25B60}"/>
               </a:ext>
             </a:extLst>
           </p:cNvPr>
@@ -4024,18 +5893,88 @@
         </p:blipFill>
         <p:spPr>
           <a:xfrm>
-            <a:off x="2599772" y="3804542"/>
-            <a:ext cx="6469941" cy="2141406"/>
+            <a:off x="6505138" y="2074488"/>
+            <a:ext cx="5601185" cy="3977985"/>
           </a:xfrm>
           <a:prstGeom prst="rect">
             <a:avLst/>
           </a:prstGeom>
         </p:spPr>
       </p:pic>
+      <p:sp>
+        <p:nvSpPr>
+          <p:cNvPr id="8" name="TextBox 7">
+            <a:extLst>
+              <a:ext uri="{FF2B5EF4-FFF2-40B4-BE49-F238E27FC236}">
+                <a16:creationId xmlns:a16="http://schemas.microsoft.com/office/drawing/2014/main" id="{D4837727-27CB-44E5-88E6-2ED308E1FE22}"/>
+              </a:ext>
+            </a:extLst>
+          </p:cNvPr>
+          <p:cNvSpPr txBox="1"/>
+          <p:nvPr/>
+        </p:nvSpPr>
+        <p:spPr>
+          <a:xfrm>
+            <a:off x="6270171" y="6251607"/>
+            <a:ext cx="5921829" cy="369332"/>
+          </a:xfrm>
+          <a:prstGeom prst="rect">
+            <a:avLst/>
+          </a:prstGeom>
+          <a:noFill/>
+        </p:spPr>
+        <p:txBody>
+          <a:bodyPr wrap="square">
+            <a:spAutoFit/>
+          </a:bodyPr>
+          <a:lstStyle/>
+          <a:p>
+            <a:r>
+              <a:rPr lang="en-US" dirty="0"/>
+              <a:t>Adjusted R-squared:  0.166 or  0.1978 if outlier is excluded</a:t>
+            </a:r>
+          </a:p>
+        </p:txBody>
+      </p:sp>
+      <p:sp>
+        <p:nvSpPr>
+          <p:cNvPr id="10" name="TextBox 9">
+            <a:extLst>
+              <a:ext uri="{FF2B5EF4-FFF2-40B4-BE49-F238E27FC236}">
+                <a16:creationId xmlns:a16="http://schemas.microsoft.com/office/drawing/2014/main" id="{C1349B9F-A910-450F-B237-1DDECF88C03D}"/>
+              </a:ext>
+            </a:extLst>
+          </p:cNvPr>
+          <p:cNvSpPr txBox="1"/>
+          <p:nvPr/>
+        </p:nvSpPr>
+        <p:spPr>
+          <a:xfrm>
+            <a:off x="1672514" y="6251607"/>
+            <a:ext cx="2749419" cy="369332"/>
+          </a:xfrm>
+          <a:prstGeom prst="rect">
+            <a:avLst/>
+          </a:prstGeom>
+          <a:noFill/>
+        </p:spPr>
+        <p:txBody>
+          <a:bodyPr wrap="square">
+            <a:spAutoFit/>
+          </a:bodyPr>
+          <a:lstStyle/>
+          <a:p>
+            <a:r>
+              <a:rPr lang="en-US" dirty="0"/>
+              <a:t>Adjusted R-squared:  0.139</a:t>
+            </a:r>
+          </a:p>
+        </p:txBody>
+      </p:sp>
     </p:spTree>
     <p:extLst>
       <p:ext uri="{BB962C8B-B14F-4D97-AF65-F5344CB8AC3E}">
-        <p14:creationId xmlns:p14="http://schemas.microsoft.com/office/powerpoint/2010/main" val="2001581232"/>
+        <p14:creationId xmlns:p14="http://schemas.microsoft.com/office/powerpoint/2010/main" val="2196268262"/>
       </p:ext>
     </p:extLst>
   </p:cSld>
@@ -4081,21 +6020,24 @@
         <p:spPr/>
         <p:txBody>
           <a:bodyPr>
-            <a:normAutofit/>
+            <a:normAutofit fontScale="90000"/>
           </a:bodyPr>
           <a:lstStyle/>
           <a:p>
             <a:r>
               <a:rPr lang="en-US" sz="2400" dirty="0"/>
-              <a:t>Top is new, steeper mortality curve (Platt 1988).</a:t>
+              <a:t>Left is old mortality by diameter (from histogram)</a:t>
             </a:r>
             <a:br>
               <a:rPr lang="en-US" sz="2400" dirty="0"/>
             </a:br>
             <a:r>
               <a:rPr lang="en-US" sz="2400" dirty="0"/>
-              <a:t>Bottom is old mortality curve</a:t>
-            </a:r>
+              <a:t>Right is new, steeper mortality curve.</a:t>
+            </a:r>
+            <a:br>
+              <a:rPr lang="en-US" sz="2400" dirty="0"/>
+            </a:br>
             <a:br>
               <a:rPr lang="en-US" sz="2400" dirty="0"/>
             </a:br>
@@ -4105,19 +6047,17 @@
       </p:sp>
       <p:pic>
         <p:nvPicPr>
-          <p:cNvPr id="4" name="Content Placeholder 3">
-            <a:extLst>
-              <a:ext uri="{FF2B5EF4-FFF2-40B4-BE49-F238E27FC236}">
-                <a16:creationId xmlns:a16="http://schemas.microsoft.com/office/drawing/2014/main" id="{4CA752CB-91B6-41E0-B36A-B6F54705E42B}"/>
+          <p:cNvPr id="6" name="Picture 5">
+            <a:extLst>
+              <a:ext uri="{FF2B5EF4-FFF2-40B4-BE49-F238E27FC236}">
+                <a16:creationId xmlns:a16="http://schemas.microsoft.com/office/drawing/2014/main" id="{9655659A-CE9F-4367-9DF3-95FD23DB5CF9}"/>
               </a:ext>
             </a:extLst>
           </p:cNvPr>
           <p:cNvPicPr>
-            <a:picLocks noGrp="1" noChangeAspect="1"/>
+            <a:picLocks noChangeAspect="1"/>
           </p:cNvPicPr>
-          <p:nvPr>
-            <p:ph idx="1"/>
-          </p:nvPr>
+          <p:nvPr/>
         </p:nvPicPr>
         <p:blipFill>
           <a:blip r:embed="rId2"/>
@@ -4127,8 +6067,38 @@
         </p:blipFill>
         <p:spPr>
           <a:xfrm>
-            <a:off x="2295332" y="1243443"/>
-            <a:ext cx="7268546" cy="5780356"/>
+            <a:off x="372151" y="1690688"/>
+            <a:ext cx="4791075" cy="4667250"/>
+          </a:xfrm>
+          <a:prstGeom prst="rect">
+            <a:avLst/>
+          </a:prstGeom>
+        </p:spPr>
+      </p:pic>
+      <p:pic>
+        <p:nvPicPr>
+          <p:cNvPr id="7" name="Picture 6">
+            <a:extLst>
+              <a:ext uri="{FF2B5EF4-FFF2-40B4-BE49-F238E27FC236}">
+                <a16:creationId xmlns:a16="http://schemas.microsoft.com/office/drawing/2014/main" id="{93B1AE00-7229-4641-AE68-F49E432BA1B7}"/>
+              </a:ext>
+            </a:extLst>
+          </p:cNvPr>
+          <p:cNvPicPr>
+            <a:picLocks noChangeAspect="1"/>
+          </p:cNvPicPr>
+          <p:nvPr/>
+        </p:nvPicPr>
+        <p:blipFill>
+          <a:blip r:embed="rId3"/>
+          <a:stretch>
+            <a:fillRect/>
+          </a:stretch>
+        </p:blipFill>
+        <p:spPr>
+          <a:xfrm>
+            <a:off x="5792890" y="1690688"/>
+            <a:ext cx="4931246" cy="4440173"/>
           </a:xfrm>
           <a:prstGeom prst="rect">
             <a:avLst/>
@@ -4138,7 +6108,7 @@
     </p:spTree>
     <p:extLst>
       <p:ext uri="{BB962C8B-B14F-4D97-AF65-F5344CB8AC3E}">
-        <p14:creationId xmlns:p14="http://schemas.microsoft.com/office/powerpoint/2010/main" val="3058292002"/>
+        <p14:creationId xmlns:p14="http://schemas.microsoft.com/office/powerpoint/2010/main" val="2596737405"/>
       </p:ext>
     </p:extLst>
   </p:cSld>
@@ -4170,7 +6140,7 @@
           <p:cNvPr id="2" name="Title 1">
             <a:extLst>
               <a:ext uri="{FF2B5EF4-FFF2-40B4-BE49-F238E27FC236}">
-                <a16:creationId xmlns:a16="http://schemas.microsoft.com/office/drawing/2014/main" id="{42D0DBFB-2E5B-4B7E-A88E-EA3D678D83E8}"/>
+                <a16:creationId xmlns:a16="http://schemas.microsoft.com/office/drawing/2014/main" id="{3555A30C-4EC4-43BE-AEF1-E1DD2CF396D3}"/>
               </a:ext>
             </a:extLst>
           </p:cNvPr>
@@ -4189,27 +6159,39 @@
           <a:lstStyle/>
           <a:p>
             <a:r>
-              <a:rPr lang="en-US" dirty="0"/>
-              <a:t>Left is 700tph simulated for 80 years using new mortality compared to old mortality (right)</a:t>
-            </a:r>
+              <a:rPr lang="en-US" sz="2400" dirty="0"/>
+              <a:t>Left is old mortality by diameter (from histogram)</a:t>
+            </a:r>
+            <a:br>
+              <a:rPr lang="en-US" sz="2400" dirty="0"/>
+            </a:br>
+            <a:r>
+              <a:rPr lang="en-US" sz="2400" dirty="0"/>
+              <a:t>Right is new, steeper mortality curve.</a:t>
+            </a:r>
+            <a:br>
+              <a:rPr lang="en-US" sz="2400" dirty="0"/>
+            </a:br>
+            <a:br>
+              <a:rPr lang="en-US" sz="2400" dirty="0"/>
+            </a:br>
+            <a:endParaRPr lang="en-US" sz="2400" dirty="0"/>
           </a:p>
         </p:txBody>
       </p:sp>
       <p:pic>
         <p:nvPicPr>
-          <p:cNvPr id="4" name="Content Placeholder 3">
-            <a:extLst>
-              <a:ext uri="{FF2B5EF4-FFF2-40B4-BE49-F238E27FC236}">
-                <a16:creationId xmlns:a16="http://schemas.microsoft.com/office/drawing/2014/main" id="{43B6CF7B-A82C-4EA3-9C4B-553030EC0CDE}"/>
+          <p:cNvPr id="5" name="Picture 4">
+            <a:extLst>
+              <a:ext uri="{FF2B5EF4-FFF2-40B4-BE49-F238E27FC236}">
+                <a16:creationId xmlns:a16="http://schemas.microsoft.com/office/drawing/2014/main" id="{C610F534-27C1-4A42-9DEB-B8E9D0B466B9}"/>
               </a:ext>
             </a:extLst>
           </p:cNvPr>
           <p:cNvPicPr>
-            <a:picLocks noGrp="1" noChangeAspect="1"/>
+            <a:picLocks noChangeAspect="1"/>
           </p:cNvPicPr>
-          <p:nvPr>
-            <p:ph idx="1"/>
-          </p:nvPr>
+          <p:nvPr/>
         </p:nvPicPr>
         <p:blipFill>
           <a:blip r:embed="rId2"/>
@@ -4219,8 +6201,8 @@
         </p:blipFill>
         <p:spPr>
           <a:xfrm>
-            <a:off x="220466" y="2407298"/>
-            <a:ext cx="5721273" cy="3517673"/>
+            <a:off x="714955" y="1484461"/>
+            <a:ext cx="4791075" cy="4762500"/>
           </a:xfrm>
           <a:prstGeom prst="rect">
             <a:avLst/>
@@ -4229,10 +6211,10 @@
       </p:pic>
       <p:pic>
         <p:nvPicPr>
-          <p:cNvPr id="5" name="Picture 4">
-            <a:extLst>
-              <a:ext uri="{FF2B5EF4-FFF2-40B4-BE49-F238E27FC236}">
-                <a16:creationId xmlns:a16="http://schemas.microsoft.com/office/drawing/2014/main" id="{FD93255B-F352-4ECB-8B13-EBF6F354BFE4}"/>
+          <p:cNvPr id="3" name="Picture 2">
+            <a:extLst>
+              <a:ext uri="{FF2B5EF4-FFF2-40B4-BE49-F238E27FC236}">
+                <a16:creationId xmlns:a16="http://schemas.microsoft.com/office/drawing/2014/main" id="{64663C4F-44E1-48F9-88E2-E6639A869164}"/>
               </a:ext>
             </a:extLst>
           </p:cNvPr>
@@ -4249,8 +6231,8 @@
         </p:blipFill>
         <p:spPr>
           <a:xfrm>
-            <a:off x="6064277" y="2407298"/>
-            <a:ext cx="5907257" cy="3656153"/>
+            <a:off x="6096000" y="1470173"/>
+            <a:ext cx="4791075" cy="4791075"/>
           </a:xfrm>
           <a:prstGeom prst="rect">
             <a:avLst/>
@@ -4260,7 +6242,7 @@
     </p:spTree>
     <p:extLst>
       <p:ext uri="{BB962C8B-B14F-4D97-AF65-F5344CB8AC3E}">
-        <p14:creationId xmlns:p14="http://schemas.microsoft.com/office/powerpoint/2010/main" val="1741886364"/>
+        <p14:creationId xmlns:p14="http://schemas.microsoft.com/office/powerpoint/2010/main" val="3007165633"/>
       </p:ext>
     </p:extLst>
   </p:cSld>
@@ -4292,7 +6274,7 @@
           <p:cNvPr id="2" name="Title 1">
             <a:extLst>
               <a:ext uri="{FF2B5EF4-FFF2-40B4-BE49-F238E27FC236}">
-                <a16:creationId xmlns:a16="http://schemas.microsoft.com/office/drawing/2014/main" id="{E8C82F3A-70BE-4EDE-81A4-2F53D2F0D87E}"/>
+                <a16:creationId xmlns:a16="http://schemas.microsoft.com/office/drawing/2014/main" id="{8086223D-1A60-468C-A9D8-7AA55D229C01}"/>
               </a:ext>
             </a:extLst>
           </p:cNvPr>
@@ -4310,17 +6292,179 @@
           <a:p>
             <a:r>
               <a:rPr lang="en-US" dirty="0"/>
-              <a:t>Graph on left is with new longleaf mortality</a:t>
-            </a:r>
+              <a:t>Observed vs modeled diameter distributions</a:t>
+            </a:r>
+          </a:p>
+        </p:txBody>
+      </p:sp>
+      <p:sp>
+        <p:nvSpPr>
+          <p:cNvPr id="7" name="TextBox 6">
+            <a:extLst>
+              <a:ext uri="{FF2B5EF4-FFF2-40B4-BE49-F238E27FC236}">
+                <a16:creationId xmlns:a16="http://schemas.microsoft.com/office/drawing/2014/main" id="{88E52DE7-C8A5-4381-8402-66B556F73309}"/>
+              </a:ext>
+            </a:extLst>
+          </p:cNvPr>
+          <p:cNvSpPr txBox="1"/>
+          <p:nvPr/>
+        </p:nvSpPr>
+        <p:spPr>
+          <a:xfrm>
+            <a:off x="662473" y="2267339"/>
+            <a:ext cx="1474237" cy="369332"/>
+          </a:xfrm>
+          <a:prstGeom prst="rect">
+            <a:avLst/>
+          </a:prstGeom>
+          <a:noFill/>
+        </p:spPr>
+        <p:txBody>
+          <a:bodyPr wrap="square" rtlCol="0">
+            <a:spAutoFit/>
+          </a:bodyPr>
+          <a:lstStyle/>
+          <a:p>
+            <a:r>
+              <a:rPr lang="en-US" dirty="0"/>
+              <a:t>Observed </a:t>
+            </a:r>
+          </a:p>
+        </p:txBody>
+      </p:sp>
+      <p:sp>
+        <p:nvSpPr>
+          <p:cNvPr id="8" name="Arrow: Right 7">
+            <a:extLst>
+              <a:ext uri="{FF2B5EF4-FFF2-40B4-BE49-F238E27FC236}">
+                <a16:creationId xmlns:a16="http://schemas.microsoft.com/office/drawing/2014/main" id="{304EBFCC-E8B5-4856-B5FA-CDA01E11067C}"/>
+              </a:ext>
+            </a:extLst>
+          </p:cNvPr>
+          <p:cNvSpPr/>
+          <p:nvPr/>
+        </p:nvSpPr>
+        <p:spPr>
+          <a:xfrm>
+            <a:off x="1699906" y="2267339"/>
+            <a:ext cx="677666" cy="369332"/>
+          </a:xfrm>
+          <a:prstGeom prst="rightArrow">
+            <a:avLst/>
+          </a:prstGeom>
+        </p:spPr>
+        <p:style>
+          <a:lnRef idx="2">
+            <a:schemeClr val="accent1">
+              <a:shade val="50000"/>
+            </a:schemeClr>
+          </a:lnRef>
+          <a:fillRef idx="1">
+            <a:schemeClr val="accent1"/>
+          </a:fillRef>
+          <a:effectRef idx="0">
+            <a:schemeClr val="accent1"/>
+          </a:effectRef>
+          <a:fontRef idx="minor">
+            <a:schemeClr val="lt1"/>
+          </a:fontRef>
+        </p:style>
+        <p:txBody>
+          <a:bodyPr rtlCol="0" anchor="ctr"/>
+          <a:lstStyle/>
+          <a:p>
+            <a:pPr algn="ctr"/>
+            <a:endParaRPr lang="en-US"/>
+          </a:p>
+        </p:txBody>
+      </p:sp>
+      <p:sp>
+        <p:nvSpPr>
+          <p:cNvPr id="9" name="TextBox 8">
+            <a:extLst>
+              <a:ext uri="{FF2B5EF4-FFF2-40B4-BE49-F238E27FC236}">
+                <a16:creationId xmlns:a16="http://schemas.microsoft.com/office/drawing/2014/main" id="{9E85885C-986D-42CD-98AC-47C6500E5C55}"/>
+              </a:ext>
+            </a:extLst>
+          </p:cNvPr>
+          <p:cNvSpPr txBox="1"/>
+          <p:nvPr/>
+        </p:nvSpPr>
+        <p:spPr>
+          <a:xfrm>
+            <a:off x="724318" y="5054472"/>
+            <a:ext cx="1474237" cy="369332"/>
+          </a:xfrm>
+          <a:prstGeom prst="rect">
+            <a:avLst/>
+          </a:prstGeom>
+          <a:noFill/>
+        </p:spPr>
+        <p:txBody>
+          <a:bodyPr wrap="square" rtlCol="0">
+            <a:spAutoFit/>
+          </a:bodyPr>
+          <a:lstStyle/>
+          <a:p>
+            <a:r>
+              <a:rPr lang="en-US" dirty="0"/>
+              <a:t>Modeled </a:t>
+            </a:r>
+          </a:p>
+        </p:txBody>
+      </p:sp>
+      <p:sp>
+        <p:nvSpPr>
+          <p:cNvPr id="10" name="Arrow: Right 9">
+            <a:extLst>
+              <a:ext uri="{FF2B5EF4-FFF2-40B4-BE49-F238E27FC236}">
+                <a16:creationId xmlns:a16="http://schemas.microsoft.com/office/drawing/2014/main" id="{EA63A3D4-24E7-4718-9BE5-00C8659DF38E}"/>
+              </a:ext>
+            </a:extLst>
+          </p:cNvPr>
+          <p:cNvSpPr/>
+          <p:nvPr/>
+        </p:nvSpPr>
+        <p:spPr>
+          <a:xfrm>
+            <a:off x="1730828" y="5054472"/>
+            <a:ext cx="677666" cy="369332"/>
+          </a:xfrm>
+          <a:prstGeom prst="rightArrow">
+            <a:avLst/>
+          </a:prstGeom>
+        </p:spPr>
+        <p:style>
+          <a:lnRef idx="2">
+            <a:schemeClr val="accent1">
+              <a:shade val="50000"/>
+            </a:schemeClr>
+          </a:lnRef>
+          <a:fillRef idx="1">
+            <a:schemeClr val="accent1"/>
+          </a:fillRef>
+          <a:effectRef idx="0">
+            <a:schemeClr val="accent1"/>
+          </a:effectRef>
+          <a:fontRef idx="minor">
+            <a:schemeClr val="lt1"/>
+          </a:fontRef>
+        </p:style>
+        <p:txBody>
+          <a:bodyPr rtlCol="0" anchor="ctr"/>
+          <a:lstStyle/>
+          <a:p>
+            <a:pPr algn="ctr"/>
+            <a:endParaRPr lang="en-US"/>
           </a:p>
         </p:txBody>
       </p:sp>
       <p:pic>
         <p:nvPicPr>
-          <p:cNvPr id="5" name="Picture 4">
-            <a:extLst>
-              <a:ext uri="{FF2B5EF4-FFF2-40B4-BE49-F238E27FC236}">
-                <a16:creationId xmlns:a16="http://schemas.microsoft.com/office/drawing/2014/main" id="{F66345DF-7C10-4578-8CE0-927FB1E5671E}"/>
+          <p:cNvPr id="12" name="Picture 11">
+            <a:extLst>
+              <a:ext uri="{FF2B5EF4-FFF2-40B4-BE49-F238E27FC236}">
+                <a16:creationId xmlns:a16="http://schemas.microsoft.com/office/drawing/2014/main" id="{79DF36B8-DC05-4EB1-A30A-164604961112}"/>
               </a:ext>
             </a:extLst>
           </p:cNvPr>
@@ -4337,8 +6481,8 @@
         </p:blipFill>
         <p:spPr>
           <a:xfrm>
-            <a:off x="6096000" y="1825625"/>
-            <a:ext cx="5648490" cy="3472923"/>
+            <a:off x="3295407" y="1505518"/>
+            <a:ext cx="5601185" cy="1867062"/>
           </a:xfrm>
           <a:prstGeom prst="rect">
             <a:avLst/>
@@ -4347,10 +6491,10 @@
       </p:pic>
       <p:pic>
         <p:nvPicPr>
-          <p:cNvPr id="8" name="Picture 7">
-            <a:extLst>
-              <a:ext uri="{FF2B5EF4-FFF2-40B4-BE49-F238E27FC236}">
-                <a16:creationId xmlns:a16="http://schemas.microsoft.com/office/drawing/2014/main" id="{FE2D39B7-C15D-46C8-AB99-2B24662CA7B2}"/>
+          <p:cNvPr id="13" name="Picture 12">
+            <a:extLst>
+              <a:ext uri="{FF2B5EF4-FFF2-40B4-BE49-F238E27FC236}">
+                <a16:creationId xmlns:a16="http://schemas.microsoft.com/office/drawing/2014/main" id="{93BE3255-692C-4AFD-9445-263A2525075C}"/>
               </a:ext>
             </a:extLst>
           </p:cNvPr>
@@ -4367,18 +6511,390 @@
         </p:blipFill>
         <p:spPr>
           <a:xfrm>
-            <a:off x="386701" y="1825625"/>
-            <a:ext cx="5709299" cy="3510311"/>
+            <a:off x="3205065" y="4120941"/>
+            <a:ext cx="5601185" cy="1867062"/>
           </a:xfrm>
           <a:prstGeom prst="rect">
             <a:avLst/>
           </a:prstGeom>
         </p:spPr>
       </p:pic>
+      <p:sp>
+        <p:nvSpPr>
+          <p:cNvPr id="11" name="Multiplication Sign 10">
+            <a:extLst>
+              <a:ext uri="{FF2B5EF4-FFF2-40B4-BE49-F238E27FC236}">
+                <a16:creationId xmlns:a16="http://schemas.microsoft.com/office/drawing/2014/main" id="{389A09C8-0904-4A38-B2E0-81927DD13A59}"/>
+              </a:ext>
+            </a:extLst>
+          </p:cNvPr>
+          <p:cNvSpPr/>
+          <p:nvPr/>
+        </p:nvSpPr>
+        <p:spPr>
+          <a:xfrm>
+            <a:off x="6005657" y="3485421"/>
+            <a:ext cx="289367" cy="274899"/>
+          </a:xfrm>
+          <a:prstGeom prst="mathMultiply">
+            <a:avLst/>
+          </a:prstGeom>
+        </p:spPr>
+        <p:style>
+          <a:lnRef idx="2">
+            <a:schemeClr val="accent1">
+              <a:shade val="50000"/>
+            </a:schemeClr>
+          </a:lnRef>
+          <a:fillRef idx="1">
+            <a:schemeClr val="accent1"/>
+          </a:fillRef>
+          <a:effectRef idx="0">
+            <a:schemeClr val="accent1"/>
+          </a:effectRef>
+          <a:fontRef idx="minor">
+            <a:schemeClr val="lt1"/>
+          </a:fontRef>
+        </p:style>
+        <p:txBody>
+          <a:bodyPr rtlCol="0" anchor="ctr"/>
+          <a:lstStyle/>
+          <a:p>
+            <a:pPr algn="ctr"/>
+            <a:endParaRPr lang="en-US"/>
+          </a:p>
+        </p:txBody>
+      </p:sp>
     </p:spTree>
     <p:extLst>
       <p:ext uri="{BB962C8B-B14F-4D97-AF65-F5344CB8AC3E}">
-        <p14:creationId xmlns:p14="http://schemas.microsoft.com/office/powerpoint/2010/main" val="3388670123"/>
+        <p14:creationId xmlns:p14="http://schemas.microsoft.com/office/powerpoint/2010/main" val="73480127"/>
+      </p:ext>
+    </p:extLst>
+  </p:cSld>
+  <p:clrMapOvr>
+    <a:masterClrMapping/>
+  </p:clrMapOvr>
+</p:sld>
+</file>
+
+<file path=ppt/slides/slide9.xml><?xml version="1.0" encoding="utf-8"?>
+<p:sld xmlns:a="http://schemas.openxmlformats.org/drawingml/2006/main" xmlns:r="http://schemas.openxmlformats.org/officeDocument/2006/relationships" xmlns:p="http://schemas.openxmlformats.org/presentationml/2006/main">
+  <p:cSld>
+    <p:spTree>
+      <p:nvGrpSpPr>
+        <p:cNvPr id="1" name=""/>
+        <p:cNvGrpSpPr/>
+        <p:nvPr/>
+      </p:nvGrpSpPr>
+      <p:grpSpPr>
+        <a:xfrm>
+          <a:off x="0" y="0"/>
+          <a:ext cx="0" cy="0"/>
+          <a:chOff x="0" y="0"/>
+          <a:chExt cx="0" cy="0"/>
+        </a:xfrm>
+      </p:grpSpPr>
+      <p:sp>
+        <p:nvSpPr>
+          <p:cNvPr id="2" name="Title 1">
+            <a:extLst>
+              <a:ext uri="{FF2B5EF4-FFF2-40B4-BE49-F238E27FC236}">
+                <a16:creationId xmlns:a16="http://schemas.microsoft.com/office/drawing/2014/main" id="{8086223D-1A60-468C-A9D8-7AA55D229C01}"/>
+              </a:ext>
+            </a:extLst>
+          </p:cNvPr>
+          <p:cNvSpPr>
+            <a:spLocks noGrp="1"/>
+          </p:cNvSpPr>
+          <p:nvPr>
+            <p:ph type="title"/>
+          </p:nvPr>
+        </p:nvSpPr>
+        <p:spPr/>
+        <p:txBody>
+          <a:bodyPr/>
+          <a:lstStyle/>
+          <a:p>
+            <a:r>
+              <a:rPr lang="en-US" dirty="0"/>
+              <a:t>Observed vs modeled diameter distributions</a:t>
+            </a:r>
+          </a:p>
+        </p:txBody>
+      </p:sp>
+      <p:sp>
+        <p:nvSpPr>
+          <p:cNvPr id="7" name="TextBox 6">
+            <a:extLst>
+              <a:ext uri="{FF2B5EF4-FFF2-40B4-BE49-F238E27FC236}">
+                <a16:creationId xmlns:a16="http://schemas.microsoft.com/office/drawing/2014/main" id="{88E52DE7-C8A5-4381-8402-66B556F73309}"/>
+              </a:ext>
+            </a:extLst>
+          </p:cNvPr>
+          <p:cNvSpPr txBox="1"/>
+          <p:nvPr/>
+        </p:nvSpPr>
+        <p:spPr>
+          <a:xfrm>
+            <a:off x="662473" y="2267339"/>
+            <a:ext cx="1474237" cy="369332"/>
+          </a:xfrm>
+          <a:prstGeom prst="rect">
+            <a:avLst/>
+          </a:prstGeom>
+          <a:noFill/>
+        </p:spPr>
+        <p:txBody>
+          <a:bodyPr wrap="square" rtlCol="0">
+            <a:spAutoFit/>
+          </a:bodyPr>
+          <a:lstStyle/>
+          <a:p>
+            <a:r>
+              <a:rPr lang="en-US" dirty="0"/>
+              <a:t>Observed </a:t>
+            </a:r>
+          </a:p>
+        </p:txBody>
+      </p:sp>
+      <p:sp>
+        <p:nvSpPr>
+          <p:cNvPr id="8" name="Arrow: Right 7">
+            <a:extLst>
+              <a:ext uri="{FF2B5EF4-FFF2-40B4-BE49-F238E27FC236}">
+                <a16:creationId xmlns:a16="http://schemas.microsoft.com/office/drawing/2014/main" id="{304EBFCC-E8B5-4856-B5FA-CDA01E11067C}"/>
+              </a:ext>
+            </a:extLst>
+          </p:cNvPr>
+          <p:cNvSpPr/>
+          <p:nvPr/>
+        </p:nvSpPr>
+        <p:spPr>
+          <a:xfrm>
+            <a:off x="1699906" y="2267339"/>
+            <a:ext cx="677666" cy="369332"/>
+          </a:xfrm>
+          <a:prstGeom prst="rightArrow">
+            <a:avLst/>
+          </a:prstGeom>
+        </p:spPr>
+        <p:style>
+          <a:lnRef idx="2">
+            <a:schemeClr val="accent1">
+              <a:shade val="50000"/>
+            </a:schemeClr>
+          </a:lnRef>
+          <a:fillRef idx="1">
+            <a:schemeClr val="accent1"/>
+          </a:fillRef>
+          <a:effectRef idx="0">
+            <a:schemeClr val="accent1"/>
+          </a:effectRef>
+          <a:fontRef idx="minor">
+            <a:schemeClr val="lt1"/>
+          </a:fontRef>
+        </p:style>
+        <p:txBody>
+          <a:bodyPr rtlCol="0" anchor="ctr"/>
+          <a:lstStyle/>
+          <a:p>
+            <a:pPr algn="ctr"/>
+            <a:endParaRPr lang="en-US"/>
+          </a:p>
+        </p:txBody>
+      </p:sp>
+      <p:sp>
+        <p:nvSpPr>
+          <p:cNvPr id="9" name="TextBox 8">
+            <a:extLst>
+              <a:ext uri="{FF2B5EF4-FFF2-40B4-BE49-F238E27FC236}">
+                <a16:creationId xmlns:a16="http://schemas.microsoft.com/office/drawing/2014/main" id="{9E85885C-986D-42CD-98AC-47C6500E5C55}"/>
+              </a:ext>
+            </a:extLst>
+          </p:cNvPr>
+          <p:cNvSpPr txBox="1"/>
+          <p:nvPr/>
+        </p:nvSpPr>
+        <p:spPr>
+          <a:xfrm>
+            <a:off x="724318" y="5054472"/>
+            <a:ext cx="1474237" cy="369332"/>
+          </a:xfrm>
+          <a:prstGeom prst="rect">
+            <a:avLst/>
+          </a:prstGeom>
+          <a:noFill/>
+        </p:spPr>
+        <p:txBody>
+          <a:bodyPr wrap="square" rtlCol="0">
+            <a:spAutoFit/>
+          </a:bodyPr>
+          <a:lstStyle/>
+          <a:p>
+            <a:r>
+              <a:rPr lang="en-US" dirty="0"/>
+              <a:t>Modeled </a:t>
+            </a:r>
+          </a:p>
+        </p:txBody>
+      </p:sp>
+      <p:sp>
+        <p:nvSpPr>
+          <p:cNvPr id="10" name="Arrow: Right 9">
+            <a:extLst>
+              <a:ext uri="{FF2B5EF4-FFF2-40B4-BE49-F238E27FC236}">
+                <a16:creationId xmlns:a16="http://schemas.microsoft.com/office/drawing/2014/main" id="{EA63A3D4-24E7-4718-9BE5-00C8659DF38E}"/>
+              </a:ext>
+            </a:extLst>
+          </p:cNvPr>
+          <p:cNvSpPr/>
+          <p:nvPr/>
+        </p:nvSpPr>
+        <p:spPr>
+          <a:xfrm>
+            <a:off x="1730828" y="5054472"/>
+            <a:ext cx="677666" cy="369332"/>
+          </a:xfrm>
+          <a:prstGeom prst="rightArrow">
+            <a:avLst/>
+          </a:prstGeom>
+        </p:spPr>
+        <p:style>
+          <a:lnRef idx="2">
+            <a:schemeClr val="accent1">
+              <a:shade val="50000"/>
+            </a:schemeClr>
+          </a:lnRef>
+          <a:fillRef idx="1">
+            <a:schemeClr val="accent1"/>
+          </a:fillRef>
+          <a:effectRef idx="0">
+            <a:schemeClr val="accent1"/>
+          </a:effectRef>
+          <a:fontRef idx="minor">
+            <a:schemeClr val="lt1"/>
+          </a:fontRef>
+        </p:style>
+        <p:txBody>
+          <a:bodyPr rtlCol="0" anchor="ctr"/>
+          <a:lstStyle/>
+          <a:p>
+            <a:pPr algn="ctr"/>
+            <a:endParaRPr lang="en-US"/>
+          </a:p>
+        </p:txBody>
+      </p:sp>
+      <p:pic>
+        <p:nvPicPr>
+          <p:cNvPr id="3" name="Picture 2">
+            <a:extLst>
+              <a:ext uri="{FF2B5EF4-FFF2-40B4-BE49-F238E27FC236}">
+                <a16:creationId xmlns:a16="http://schemas.microsoft.com/office/drawing/2014/main" id="{5AC4DA59-B31C-4369-BC9C-89BED59423BB}"/>
+              </a:ext>
+            </a:extLst>
+          </p:cNvPr>
+          <p:cNvPicPr>
+            <a:picLocks noChangeAspect="1"/>
+          </p:cNvPicPr>
+          <p:nvPr/>
+        </p:nvPicPr>
+        <p:blipFill>
+          <a:blip r:embed="rId2"/>
+          <a:stretch>
+            <a:fillRect/>
+          </a:stretch>
+        </p:blipFill>
+        <p:spPr>
+          <a:xfrm>
+            <a:off x="3174143" y="1561938"/>
+            <a:ext cx="5601185" cy="1867062"/>
+          </a:xfrm>
+          <a:prstGeom prst="rect">
+            <a:avLst/>
+          </a:prstGeom>
+        </p:spPr>
+      </p:pic>
+      <p:pic>
+        <p:nvPicPr>
+          <p:cNvPr id="4" name="Picture 3">
+            <a:extLst>
+              <a:ext uri="{FF2B5EF4-FFF2-40B4-BE49-F238E27FC236}">
+                <a16:creationId xmlns:a16="http://schemas.microsoft.com/office/drawing/2014/main" id="{12CC130E-24D3-4173-BF9B-A1BA7E0846E5}"/>
+              </a:ext>
+            </a:extLst>
+          </p:cNvPr>
+          <p:cNvPicPr>
+            <a:picLocks noChangeAspect="1"/>
+          </p:cNvPicPr>
+          <p:nvPr/>
+        </p:nvPicPr>
+        <p:blipFill>
+          <a:blip r:embed="rId3"/>
+          <a:stretch>
+            <a:fillRect/>
+          </a:stretch>
+        </p:blipFill>
+        <p:spPr>
+          <a:xfrm>
+            <a:off x="3174142" y="3997697"/>
+            <a:ext cx="5601185" cy="1867062"/>
+          </a:xfrm>
+          <a:prstGeom prst="rect">
+            <a:avLst/>
+          </a:prstGeom>
+        </p:spPr>
+      </p:pic>
+      <p:sp>
+        <p:nvSpPr>
+          <p:cNvPr id="11" name="Multiplication Sign 10">
+            <a:extLst>
+              <a:ext uri="{FF2B5EF4-FFF2-40B4-BE49-F238E27FC236}">
+                <a16:creationId xmlns:a16="http://schemas.microsoft.com/office/drawing/2014/main" id="{D65E9314-520B-4396-91FC-5B3114269671}"/>
+              </a:ext>
+            </a:extLst>
+          </p:cNvPr>
+          <p:cNvSpPr/>
+          <p:nvPr/>
+        </p:nvSpPr>
+        <p:spPr>
+          <a:xfrm>
+            <a:off x="8194876" y="3429000"/>
+            <a:ext cx="289367" cy="274899"/>
+          </a:xfrm>
+          <a:prstGeom prst="mathMultiply">
+            <a:avLst/>
+          </a:prstGeom>
+        </p:spPr>
+        <p:style>
+          <a:lnRef idx="2">
+            <a:schemeClr val="accent1">
+              <a:shade val="50000"/>
+            </a:schemeClr>
+          </a:lnRef>
+          <a:fillRef idx="1">
+            <a:schemeClr val="accent1"/>
+          </a:fillRef>
+          <a:effectRef idx="0">
+            <a:schemeClr val="accent1"/>
+          </a:effectRef>
+          <a:fontRef idx="minor">
+            <a:schemeClr val="lt1"/>
+          </a:fontRef>
+        </p:style>
+        <p:txBody>
+          <a:bodyPr rtlCol="0" anchor="ctr"/>
+          <a:lstStyle/>
+          <a:p>
+            <a:pPr algn="ctr"/>
+            <a:endParaRPr lang="en-US"/>
+          </a:p>
+        </p:txBody>
+      </p:sp>
+    </p:spTree>
+    <p:extLst>
+      <p:ext uri="{BB962C8B-B14F-4D97-AF65-F5344CB8AC3E}">
+        <p14:creationId xmlns:p14="http://schemas.microsoft.com/office/powerpoint/2010/main" val="3254324409"/>
       </p:ext>
     </p:extLst>
   </p:cSld>
